--- a/Lecture 18 - Slides-Nonparametric Tests Tests for Ordinal Data/Lecture 18 - Slides-Nonparametric Tests Tests for Ordinal Data.pptx
+++ b/Lecture 18 - Slides-Nonparametric Tests Tests for Ordinal Data/Lecture 18 - Slides-Nonparametric Tests Tests for Ordinal Data.pptx
@@ -5,10 +5,10 @@
     <p:sldMasterId id="2147483793" r:id="rId1"/>
   </p:sldMasterIdLst>
   <p:notesMasterIdLst>
-    <p:notesMasterId r:id="rId35"/>
+    <p:notesMasterId r:id="rId36"/>
   </p:notesMasterIdLst>
   <p:handoutMasterIdLst>
-    <p:handoutMasterId r:id="rId36"/>
+    <p:handoutMasterId r:id="rId37"/>
   </p:handoutMasterIdLst>
   <p:sldIdLst>
     <p:sldId id="256" r:id="rId2"/>
@@ -44,11 +44,12 @@
     <p:sldId id="285" r:id="rId32"/>
     <p:sldId id="287" r:id="rId33"/>
     <p:sldId id="288" r:id="rId34"/>
+    <p:sldId id="289" r:id="rId35"/>
   </p:sldIdLst>
   <p:sldSz cx="9144000" cy="6858000" type="screen4x3"/>
   <p:notesSz cx="6858000" cy="9144000"/>
   <p:custDataLst>
-    <p:tags r:id="rId37"/>
+    <p:tags r:id="rId39"/>
   </p:custDataLst>
   <p:defaultTextStyle>
     <a:defPPr>
@@ -177,7 +178,7 @@
   </p:defaultTextStyle>
   <p:extLst>
     <p:ext uri="{EFAFB233-063F-42B5-8137-9DF3F51BA10A}">
-      <p15:sldGuideLst xmlns:p15="http://schemas.microsoft.com/office/powerpoint/2012/main">
+      <p15:sldGuideLst xmlns:p15="http://schemas.microsoft.com/office/powerpoint/2012/main" xmlns="">
         <p15:guide id="1" orient="horz" pos="2160">
           <p15:clr>
             <a:srgbClr val="A4A3A4"/>
@@ -586,7 +587,7 @@
             <a:tailEnd/>
           </a:ln>
           <a:extLst>
-            <a:ext uri="{909E8E84-426E-40DD-AFC4-6F175D3DCCD1}">
+            <a:ext uri="{909E8E84-426E-40dd-AFC4-6F175D3DCCD1}">
               <a14:hiddenFill xmlns:a14="http://schemas.microsoft.com/office/drawing/2010/main">
                 <a:solidFill>
                   <a:srgbClr val="FFFFFF"/>
@@ -934,14 +935,14 @@
           <a:noFill/>
           <a:ln/>
           <a:extLst>
-            <a:ext uri="{909E8E84-426E-40DD-AFC4-6F175D3DCCD1}">
+            <a:ext uri="{909E8E84-426E-40dd-AFC4-6F175D3DCCD1}">
               <a14:hiddenFill xmlns:a14="http://schemas.microsoft.com/office/drawing/2010/main">
                 <a:solidFill>
                   <a:srgbClr val="FFFFFF"/>
                 </a:solidFill>
               </a14:hiddenFill>
             </a:ext>
-            <a:ext uri="{91240B29-F687-4F45-9708-019B960494DF}">
+            <a:ext uri="{91240B29-F687-4f45-9708-019B960494DF}">
               <a14:hiddenLine xmlns:a14="http://schemas.microsoft.com/office/drawing/2010/main" w="9525">
                 <a:solidFill>
                   <a:srgbClr val="000000"/>
@@ -1101,14 +1102,14 @@
           <a:noFill/>
           <a:ln/>
           <a:extLst>
-            <a:ext uri="{909E8E84-426E-40DD-AFC4-6F175D3DCCD1}">
+            <a:ext uri="{909E8E84-426E-40dd-AFC4-6F175D3DCCD1}">
               <a14:hiddenFill xmlns:a14="http://schemas.microsoft.com/office/drawing/2010/main">
                 <a:solidFill>
                   <a:srgbClr val="FFFFFF"/>
                 </a:solidFill>
               </a14:hiddenFill>
             </a:ext>
-            <a:ext uri="{91240B29-F687-4F45-9708-019B960494DF}">
+            <a:ext uri="{91240B29-F687-4f45-9708-019B960494DF}">
               <a14:hiddenLine xmlns:a14="http://schemas.microsoft.com/office/drawing/2010/main" w="9525">
                 <a:solidFill>
                   <a:srgbClr val="000000"/>
@@ -1188,14 +1189,14 @@
           <a:noFill/>
           <a:ln/>
           <a:extLst>
-            <a:ext uri="{909E8E84-426E-40DD-AFC4-6F175D3DCCD1}">
+            <a:ext uri="{909E8E84-426E-40dd-AFC4-6F175D3DCCD1}">
               <a14:hiddenFill xmlns:a14="http://schemas.microsoft.com/office/drawing/2010/main">
                 <a:solidFill>
                   <a:srgbClr val="FFFFFF"/>
                 </a:solidFill>
               </a14:hiddenFill>
             </a:ext>
-            <a:ext uri="{91240B29-F687-4F45-9708-019B960494DF}">
+            <a:ext uri="{91240B29-F687-4f45-9708-019B960494DF}">
               <a14:hiddenLine xmlns:a14="http://schemas.microsoft.com/office/drawing/2010/main" w="9525">
                 <a:solidFill>
                   <a:srgbClr val="000000"/>
@@ -1231,14 +1232,14 @@
           <a:noFill/>
           <a:ln/>
           <a:extLst>
-            <a:ext uri="{909E8E84-426E-40DD-AFC4-6F175D3DCCD1}">
+            <a:ext uri="{909E8E84-426E-40dd-AFC4-6F175D3DCCD1}">
               <a14:hiddenFill xmlns:a14="http://schemas.microsoft.com/office/drawing/2010/main">
                 <a:solidFill>
                   <a:srgbClr val="FFFFFF"/>
                 </a:solidFill>
               </a14:hiddenFill>
             </a:ext>
-            <a:ext uri="{91240B29-F687-4F45-9708-019B960494DF}">
+            <a:ext uri="{91240B29-F687-4f45-9708-019B960494DF}">
               <a14:hiddenLine xmlns:a14="http://schemas.microsoft.com/office/drawing/2010/main" w="9525">
                 <a:solidFill>
                   <a:srgbClr val="000000"/>
@@ -1428,14 +1429,14 @@
           <a:noFill/>
           <a:ln/>
           <a:extLst>
-            <a:ext uri="{909E8E84-426E-40DD-AFC4-6F175D3DCCD1}">
+            <a:ext uri="{909E8E84-426E-40dd-AFC4-6F175D3DCCD1}">
               <a14:hiddenFill xmlns:a14="http://schemas.microsoft.com/office/drawing/2010/main">
                 <a:solidFill>
                   <a:srgbClr val="FFFFFF"/>
                 </a:solidFill>
               </a14:hiddenFill>
             </a:ext>
-            <a:ext uri="{91240B29-F687-4F45-9708-019B960494DF}">
+            <a:ext uri="{91240B29-F687-4f45-9708-019B960494DF}">
               <a14:hiddenLine xmlns:a14="http://schemas.microsoft.com/office/drawing/2010/main" w="9525">
                 <a:solidFill>
                   <a:srgbClr val="000000"/>
@@ -1471,14 +1472,14 @@
           <a:noFill/>
           <a:ln/>
           <a:extLst>
-            <a:ext uri="{909E8E84-426E-40DD-AFC4-6F175D3DCCD1}">
+            <a:ext uri="{909E8E84-426E-40dd-AFC4-6F175D3DCCD1}">
               <a14:hiddenFill xmlns:a14="http://schemas.microsoft.com/office/drawing/2010/main">
                 <a:solidFill>
                   <a:srgbClr val="FFFFFF"/>
                 </a:solidFill>
               </a14:hiddenFill>
             </a:ext>
-            <a:ext uri="{91240B29-F687-4F45-9708-019B960494DF}">
+            <a:ext uri="{91240B29-F687-4f45-9708-019B960494DF}">
               <a14:hiddenLine xmlns:a14="http://schemas.microsoft.com/office/drawing/2010/main" w="9525">
                 <a:solidFill>
                   <a:srgbClr val="000000"/>
@@ -1668,14 +1669,14 @@
           <a:noFill/>
           <a:ln/>
           <a:extLst>
-            <a:ext uri="{909E8E84-426E-40DD-AFC4-6F175D3DCCD1}">
+            <a:ext uri="{909E8E84-426E-40dd-AFC4-6F175D3DCCD1}">
               <a14:hiddenFill xmlns:a14="http://schemas.microsoft.com/office/drawing/2010/main">
                 <a:solidFill>
                   <a:srgbClr val="FFFFFF"/>
                 </a:solidFill>
               </a14:hiddenFill>
             </a:ext>
-            <a:ext uri="{91240B29-F687-4F45-9708-019B960494DF}">
+            <a:ext uri="{91240B29-F687-4f45-9708-019B960494DF}">
               <a14:hiddenLine xmlns:a14="http://schemas.microsoft.com/office/drawing/2010/main" w="9525">
                 <a:solidFill>
                   <a:srgbClr val="000000"/>
@@ -1711,14 +1712,14 @@
           <a:noFill/>
           <a:ln/>
           <a:extLst>
-            <a:ext uri="{909E8E84-426E-40DD-AFC4-6F175D3DCCD1}">
+            <a:ext uri="{909E8E84-426E-40dd-AFC4-6F175D3DCCD1}">
               <a14:hiddenFill xmlns:a14="http://schemas.microsoft.com/office/drawing/2010/main">
                 <a:solidFill>
                   <a:srgbClr val="FFFFFF"/>
                 </a:solidFill>
               </a14:hiddenFill>
             </a:ext>
-            <a:ext uri="{91240B29-F687-4F45-9708-019B960494DF}">
+            <a:ext uri="{91240B29-F687-4f45-9708-019B960494DF}">
               <a14:hiddenLine xmlns:a14="http://schemas.microsoft.com/office/drawing/2010/main" w="9525">
                 <a:solidFill>
                   <a:srgbClr val="000000"/>
@@ -1908,14 +1909,14 @@
           <a:noFill/>
           <a:ln/>
           <a:extLst>
-            <a:ext uri="{909E8E84-426E-40DD-AFC4-6F175D3DCCD1}">
+            <a:ext uri="{909E8E84-426E-40dd-AFC4-6F175D3DCCD1}">
               <a14:hiddenFill xmlns:a14="http://schemas.microsoft.com/office/drawing/2010/main">
                 <a:solidFill>
                   <a:srgbClr val="FFFFFF"/>
                 </a:solidFill>
               </a14:hiddenFill>
             </a:ext>
-            <a:ext uri="{91240B29-F687-4F45-9708-019B960494DF}">
+            <a:ext uri="{91240B29-F687-4f45-9708-019B960494DF}">
               <a14:hiddenLine xmlns:a14="http://schemas.microsoft.com/office/drawing/2010/main" w="9525">
                 <a:solidFill>
                   <a:srgbClr val="000000"/>
@@ -1951,14 +1952,14 @@
           <a:noFill/>
           <a:ln/>
           <a:extLst>
-            <a:ext uri="{909E8E84-426E-40DD-AFC4-6F175D3DCCD1}">
+            <a:ext uri="{909E8E84-426E-40dd-AFC4-6F175D3DCCD1}">
               <a14:hiddenFill xmlns:a14="http://schemas.microsoft.com/office/drawing/2010/main">
                 <a:solidFill>
                   <a:srgbClr val="FFFFFF"/>
                 </a:solidFill>
               </a14:hiddenFill>
             </a:ext>
-            <a:ext uri="{91240B29-F687-4F45-9708-019B960494DF}">
+            <a:ext uri="{91240B29-F687-4f45-9708-019B960494DF}">
               <a14:hiddenLine xmlns:a14="http://schemas.microsoft.com/office/drawing/2010/main" w="9525">
                 <a:solidFill>
                   <a:srgbClr val="000000"/>
@@ -2148,14 +2149,14 @@
           <a:noFill/>
           <a:ln/>
           <a:extLst>
-            <a:ext uri="{909E8E84-426E-40DD-AFC4-6F175D3DCCD1}">
+            <a:ext uri="{909E8E84-426E-40dd-AFC4-6F175D3DCCD1}">
               <a14:hiddenFill xmlns:a14="http://schemas.microsoft.com/office/drawing/2010/main">
                 <a:solidFill>
                   <a:srgbClr val="FFFFFF"/>
                 </a:solidFill>
               </a14:hiddenFill>
             </a:ext>
-            <a:ext uri="{91240B29-F687-4F45-9708-019B960494DF}">
+            <a:ext uri="{91240B29-F687-4f45-9708-019B960494DF}">
               <a14:hiddenLine xmlns:a14="http://schemas.microsoft.com/office/drawing/2010/main" w="9525">
                 <a:solidFill>
                   <a:srgbClr val="000000"/>
@@ -2191,14 +2192,14 @@
           <a:noFill/>
           <a:ln/>
           <a:extLst>
-            <a:ext uri="{909E8E84-426E-40DD-AFC4-6F175D3DCCD1}">
+            <a:ext uri="{909E8E84-426E-40dd-AFC4-6F175D3DCCD1}">
               <a14:hiddenFill xmlns:a14="http://schemas.microsoft.com/office/drawing/2010/main">
                 <a:solidFill>
                   <a:srgbClr val="FFFFFF"/>
                 </a:solidFill>
               </a14:hiddenFill>
             </a:ext>
-            <a:ext uri="{91240B29-F687-4F45-9708-019B960494DF}">
+            <a:ext uri="{91240B29-F687-4f45-9708-019B960494DF}">
               <a14:hiddenLine xmlns:a14="http://schemas.microsoft.com/office/drawing/2010/main" w="9525">
                 <a:solidFill>
                   <a:srgbClr val="000000"/>
@@ -2388,14 +2389,14 @@
           <a:noFill/>
           <a:ln/>
           <a:extLst>
-            <a:ext uri="{909E8E84-426E-40DD-AFC4-6F175D3DCCD1}">
+            <a:ext uri="{909E8E84-426E-40dd-AFC4-6F175D3DCCD1}">
               <a14:hiddenFill xmlns:a14="http://schemas.microsoft.com/office/drawing/2010/main">
                 <a:solidFill>
                   <a:srgbClr val="FFFFFF"/>
                 </a:solidFill>
               </a14:hiddenFill>
             </a:ext>
-            <a:ext uri="{91240B29-F687-4F45-9708-019B960494DF}">
+            <a:ext uri="{91240B29-F687-4f45-9708-019B960494DF}">
               <a14:hiddenLine xmlns:a14="http://schemas.microsoft.com/office/drawing/2010/main" w="9525">
                 <a:solidFill>
                   <a:srgbClr val="000000"/>
@@ -2431,14 +2432,14 @@
           <a:noFill/>
           <a:ln/>
           <a:extLst>
-            <a:ext uri="{909E8E84-426E-40DD-AFC4-6F175D3DCCD1}">
+            <a:ext uri="{909E8E84-426E-40dd-AFC4-6F175D3DCCD1}">
               <a14:hiddenFill xmlns:a14="http://schemas.microsoft.com/office/drawing/2010/main">
                 <a:solidFill>
                   <a:srgbClr val="FFFFFF"/>
                 </a:solidFill>
               </a14:hiddenFill>
             </a:ext>
-            <a:ext uri="{91240B29-F687-4F45-9708-019B960494DF}">
+            <a:ext uri="{91240B29-F687-4f45-9708-019B960494DF}">
               <a14:hiddenLine xmlns:a14="http://schemas.microsoft.com/office/drawing/2010/main" w="9525">
                 <a:solidFill>
                   <a:srgbClr val="000000"/>
@@ -2628,14 +2629,14 @@
           <a:noFill/>
           <a:ln/>
           <a:extLst>
-            <a:ext uri="{909E8E84-426E-40DD-AFC4-6F175D3DCCD1}">
+            <a:ext uri="{909E8E84-426E-40dd-AFC4-6F175D3DCCD1}">
               <a14:hiddenFill xmlns:a14="http://schemas.microsoft.com/office/drawing/2010/main">
                 <a:solidFill>
                   <a:srgbClr val="FFFFFF"/>
                 </a:solidFill>
               </a14:hiddenFill>
             </a:ext>
-            <a:ext uri="{91240B29-F687-4F45-9708-019B960494DF}">
+            <a:ext uri="{91240B29-F687-4f45-9708-019B960494DF}">
               <a14:hiddenLine xmlns:a14="http://schemas.microsoft.com/office/drawing/2010/main" w="9525">
                 <a:solidFill>
                   <a:srgbClr val="000000"/>
@@ -2671,14 +2672,14 @@
           <a:noFill/>
           <a:ln/>
           <a:extLst>
-            <a:ext uri="{909E8E84-426E-40DD-AFC4-6F175D3DCCD1}">
+            <a:ext uri="{909E8E84-426E-40dd-AFC4-6F175D3DCCD1}">
               <a14:hiddenFill xmlns:a14="http://schemas.microsoft.com/office/drawing/2010/main">
                 <a:solidFill>
                   <a:srgbClr val="FFFFFF"/>
                 </a:solidFill>
               </a14:hiddenFill>
             </a:ext>
-            <a:ext uri="{91240B29-F687-4F45-9708-019B960494DF}">
+            <a:ext uri="{91240B29-F687-4f45-9708-019B960494DF}">
               <a14:hiddenLine xmlns:a14="http://schemas.microsoft.com/office/drawing/2010/main" w="9525">
                 <a:solidFill>
                   <a:srgbClr val="000000"/>
@@ -2868,14 +2869,14 @@
           <a:noFill/>
           <a:ln/>
           <a:extLst>
-            <a:ext uri="{909E8E84-426E-40DD-AFC4-6F175D3DCCD1}">
+            <a:ext uri="{909E8E84-426E-40dd-AFC4-6F175D3DCCD1}">
               <a14:hiddenFill xmlns:a14="http://schemas.microsoft.com/office/drawing/2010/main">
                 <a:solidFill>
                   <a:srgbClr val="FFFFFF"/>
                 </a:solidFill>
               </a14:hiddenFill>
             </a:ext>
-            <a:ext uri="{91240B29-F687-4F45-9708-019B960494DF}">
+            <a:ext uri="{91240B29-F687-4f45-9708-019B960494DF}">
               <a14:hiddenLine xmlns:a14="http://schemas.microsoft.com/office/drawing/2010/main" w="9525">
                 <a:solidFill>
                   <a:srgbClr val="000000"/>
@@ -2911,14 +2912,14 @@
           <a:noFill/>
           <a:ln/>
           <a:extLst>
-            <a:ext uri="{909E8E84-426E-40DD-AFC4-6F175D3DCCD1}">
+            <a:ext uri="{909E8E84-426E-40dd-AFC4-6F175D3DCCD1}">
               <a14:hiddenFill xmlns:a14="http://schemas.microsoft.com/office/drawing/2010/main">
                 <a:solidFill>
                   <a:srgbClr val="FFFFFF"/>
                 </a:solidFill>
               </a14:hiddenFill>
             </a:ext>
-            <a:ext uri="{91240B29-F687-4F45-9708-019B960494DF}">
+            <a:ext uri="{91240B29-F687-4f45-9708-019B960494DF}">
               <a14:hiddenLine xmlns:a14="http://schemas.microsoft.com/office/drawing/2010/main" w="9525">
                 <a:solidFill>
                   <a:srgbClr val="000000"/>
@@ -3108,14 +3109,14 @@
           <a:noFill/>
           <a:ln/>
           <a:extLst>
-            <a:ext uri="{909E8E84-426E-40DD-AFC4-6F175D3DCCD1}">
+            <a:ext uri="{909E8E84-426E-40dd-AFC4-6F175D3DCCD1}">
               <a14:hiddenFill xmlns:a14="http://schemas.microsoft.com/office/drawing/2010/main">
                 <a:solidFill>
                   <a:srgbClr val="FFFFFF"/>
                 </a:solidFill>
               </a14:hiddenFill>
             </a:ext>
-            <a:ext uri="{91240B29-F687-4F45-9708-019B960494DF}">
+            <a:ext uri="{91240B29-F687-4f45-9708-019B960494DF}">
               <a14:hiddenLine xmlns:a14="http://schemas.microsoft.com/office/drawing/2010/main" w="9525">
                 <a:solidFill>
                   <a:srgbClr val="000000"/>
@@ -3151,14 +3152,14 @@
           <a:noFill/>
           <a:ln/>
           <a:extLst>
-            <a:ext uri="{909E8E84-426E-40DD-AFC4-6F175D3DCCD1}">
+            <a:ext uri="{909E8E84-426E-40dd-AFC4-6F175D3DCCD1}">
               <a14:hiddenFill xmlns:a14="http://schemas.microsoft.com/office/drawing/2010/main">
                 <a:solidFill>
                   <a:srgbClr val="FFFFFF"/>
                 </a:solidFill>
               </a14:hiddenFill>
             </a:ext>
-            <a:ext uri="{91240B29-F687-4F45-9708-019B960494DF}">
+            <a:ext uri="{91240B29-F687-4f45-9708-019B960494DF}">
               <a14:hiddenLine xmlns:a14="http://schemas.microsoft.com/office/drawing/2010/main" w="9525">
                 <a:solidFill>
                   <a:srgbClr val="000000"/>
@@ -3348,14 +3349,14 @@
           <a:noFill/>
           <a:ln/>
           <a:extLst>
-            <a:ext uri="{909E8E84-426E-40DD-AFC4-6F175D3DCCD1}">
+            <a:ext uri="{909E8E84-426E-40dd-AFC4-6F175D3DCCD1}">
               <a14:hiddenFill xmlns:a14="http://schemas.microsoft.com/office/drawing/2010/main">
                 <a:solidFill>
                   <a:srgbClr val="FFFFFF"/>
                 </a:solidFill>
               </a14:hiddenFill>
             </a:ext>
-            <a:ext uri="{91240B29-F687-4F45-9708-019B960494DF}">
+            <a:ext uri="{91240B29-F687-4f45-9708-019B960494DF}">
               <a14:hiddenLine xmlns:a14="http://schemas.microsoft.com/office/drawing/2010/main" w="9525">
                 <a:solidFill>
                   <a:srgbClr val="000000"/>
@@ -3391,14 +3392,14 @@
           <a:noFill/>
           <a:ln/>
           <a:extLst>
-            <a:ext uri="{909E8E84-426E-40DD-AFC4-6F175D3DCCD1}">
+            <a:ext uri="{909E8E84-426E-40dd-AFC4-6F175D3DCCD1}">
               <a14:hiddenFill xmlns:a14="http://schemas.microsoft.com/office/drawing/2010/main">
                 <a:solidFill>
                   <a:srgbClr val="FFFFFF"/>
                 </a:solidFill>
               </a14:hiddenFill>
             </a:ext>
-            <a:ext uri="{91240B29-F687-4F45-9708-019B960494DF}">
+            <a:ext uri="{91240B29-F687-4f45-9708-019B960494DF}">
               <a14:hiddenLine xmlns:a14="http://schemas.microsoft.com/office/drawing/2010/main" w="9525">
                 <a:solidFill>
                   <a:srgbClr val="000000"/>
@@ -3574,14 +3575,14 @@
           <a:noFill/>
           <a:ln/>
           <a:extLst>
-            <a:ext uri="{909E8E84-426E-40DD-AFC4-6F175D3DCCD1}">
+            <a:ext uri="{909E8E84-426E-40dd-AFC4-6F175D3DCCD1}">
               <a14:hiddenFill xmlns:a14="http://schemas.microsoft.com/office/drawing/2010/main">
                 <a:solidFill>
                   <a:srgbClr val="FFFFFF"/>
                 </a:solidFill>
               </a14:hiddenFill>
             </a:ext>
-            <a:ext uri="{91240B29-F687-4F45-9708-019B960494DF}">
+            <a:ext uri="{91240B29-F687-4f45-9708-019B960494DF}">
               <a14:hiddenLine xmlns:a14="http://schemas.microsoft.com/office/drawing/2010/main" w="9525">
                 <a:solidFill>
                   <a:srgbClr val="000000"/>
@@ -3741,14 +3742,14 @@
           <a:noFill/>
           <a:ln/>
           <a:extLst>
-            <a:ext uri="{909E8E84-426E-40DD-AFC4-6F175D3DCCD1}">
+            <a:ext uri="{909E8E84-426E-40dd-AFC4-6F175D3DCCD1}">
               <a14:hiddenFill xmlns:a14="http://schemas.microsoft.com/office/drawing/2010/main">
                 <a:solidFill>
                   <a:srgbClr val="FFFFFF"/>
                 </a:solidFill>
               </a14:hiddenFill>
             </a:ext>
-            <a:ext uri="{91240B29-F687-4F45-9708-019B960494DF}">
+            <a:ext uri="{91240B29-F687-4f45-9708-019B960494DF}">
               <a14:hiddenLine xmlns:a14="http://schemas.microsoft.com/office/drawing/2010/main" w="9525">
                 <a:solidFill>
                   <a:srgbClr val="000000"/>
@@ -3828,14 +3829,14 @@
           <a:noFill/>
           <a:ln/>
           <a:extLst>
-            <a:ext uri="{909E8E84-426E-40DD-AFC4-6F175D3DCCD1}">
+            <a:ext uri="{909E8E84-426E-40dd-AFC4-6F175D3DCCD1}">
               <a14:hiddenFill xmlns:a14="http://schemas.microsoft.com/office/drawing/2010/main">
                 <a:solidFill>
                   <a:srgbClr val="FFFFFF"/>
                 </a:solidFill>
               </a14:hiddenFill>
             </a:ext>
-            <a:ext uri="{91240B29-F687-4F45-9708-019B960494DF}">
+            <a:ext uri="{91240B29-F687-4f45-9708-019B960494DF}">
               <a14:hiddenLine xmlns:a14="http://schemas.microsoft.com/office/drawing/2010/main" w="9525">
                 <a:solidFill>
                   <a:srgbClr val="000000"/>
@@ -3871,14 +3872,14 @@
           <a:noFill/>
           <a:ln/>
           <a:extLst>
-            <a:ext uri="{909E8E84-426E-40DD-AFC4-6F175D3DCCD1}">
+            <a:ext uri="{909E8E84-426E-40dd-AFC4-6F175D3DCCD1}">
               <a14:hiddenFill xmlns:a14="http://schemas.microsoft.com/office/drawing/2010/main">
                 <a:solidFill>
                   <a:srgbClr val="FFFFFF"/>
                 </a:solidFill>
               </a14:hiddenFill>
             </a:ext>
-            <a:ext uri="{91240B29-F687-4F45-9708-019B960494DF}">
+            <a:ext uri="{91240B29-F687-4f45-9708-019B960494DF}">
               <a14:hiddenLine xmlns:a14="http://schemas.microsoft.com/office/drawing/2010/main" w="9525">
                 <a:solidFill>
                   <a:srgbClr val="000000"/>
@@ -4068,14 +4069,14 @@
           <a:noFill/>
           <a:ln/>
           <a:extLst>
-            <a:ext uri="{909E8E84-426E-40DD-AFC4-6F175D3DCCD1}">
+            <a:ext uri="{909E8E84-426E-40dd-AFC4-6F175D3DCCD1}">
               <a14:hiddenFill xmlns:a14="http://schemas.microsoft.com/office/drawing/2010/main">
                 <a:solidFill>
                   <a:srgbClr val="FFFFFF"/>
                 </a:solidFill>
               </a14:hiddenFill>
             </a:ext>
-            <a:ext uri="{91240B29-F687-4F45-9708-019B960494DF}">
+            <a:ext uri="{91240B29-F687-4f45-9708-019B960494DF}">
               <a14:hiddenLine xmlns:a14="http://schemas.microsoft.com/office/drawing/2010/main" w="9525">
                 <a:solidFill>
                   <a:srgbClr val="000000"/>
@@ -4111,14 +4112,14 @@
           <a:noFill/>
           <a:ln/>
           <a:extLst>
-            <a:ext uri="{909E8E84-426E-40DD-AFC4-6F175D3DCCD1}">
+            <a:ext uri="{909E8E84-426E-40dd-AFC4-6F175D3DCCD1}">
               <a14:hiddenFill xmlns:a14="http://schemas.microsoft.com/office/drawing/2010/main">
                 <a:solidFill>
                   <a:srgbClr val="FFFFFF"/>
                 </a:solidFill>
               </a14:hiddenFill>
             </a:ext>
-            <a:ext uri="{91240B29-F687-4F45-9708-019B960494DF}">
+            <a:ext uri="{91240B29-F687-4f45-9708-019B960494DF}">
               <a14:hiddenLine xmlns:a14="http://schemas.microsoft.com/office/drawing/2010/main" w="9525">
                 <a:solidFill>
                   <a:srgbClr val="000000"/>
@@ -4308,14 +4309,14 @@
           <a:noFill/>
           <a:ln/>
           <a:extLst>
-            <a:ext uri="{909E8E84-426E-40DD-AFC4-6F175D3DCCD1}">
+            <a:ext uri="{909E8E84-426E-40dd-AFC4-6F175D3DCCD1}">
               <a14:hiddenFill xmlns:a14="http://schemas.microsoft.com/office/drawing/2010/main">
                 <a:solidFill>
                   <a:srgbClr val="FFFFFF"/>
                 </a:solidFill>
               </a14:hiddenFill>
             </a:ext>
-            <a:ext uri="{91240B29-F687-4F45-9708-019B960494DF}">
+            <a:ext uri="{91240B29-F687-4f45-9708-019B960494DF}">
               <a14:hiddenLine xmlns:a14="http://schemas.microsoft.com/office/drawing/2010/main" w="9525">
                 <a:solidFill>
                   <a:srgbClr val="000000"/>
@@ -4351,14 +4352,14 @@
           <a:noFill/>
           <a:ln/>
           <a:extLst>
-            <a:ext uri="{909E8E84-426E-40DD-AFC4-6F175D3DCCD1}">
+            <a:ext uri="{909E8E84-426E-40dd-AFC4-6F175D3DCCD1}">
               <a14:hiddenFill xmlns:a14="http://schemas.microsoft.com/office/drawing/2010/main">
                 <a:solidFill>
                   <a:srgbClr val="FFFFFF"/>
                 </a:solidFill>
               </a14:hiddenFill>
             </a:ext>
-            <a:ext uri="{91240B29-F687-4F45-9708-019B960494DF}">
+            <a:ext uri="{91240B29-F687-4f45-9708-019B960494DF}">
               <a14:hiddenLine xmlns:a14="http://schemas.microsoft.com/office/drawing/2010/main" w="9525">
                 <a:solidFill>
                   <a:srgbClr val="000000"/>
@@ -4548,14 +4549,14 @@
           <a:noFill/>
           <a:ln/>
           <a:extLst>
-            <a:ext uri="{909E8E84-426E-40DD-AFC4-6F175D3DCCD1}">
+            <a:ext uri="{909E8E84-426E-40dd-AFC4-6F175D3DCCD1}">
               <a14:hiddenFill xmlns:a14="http://schemas.microsoft.com/office/drawing/2010/main">
                 <a:solidFill>
                   <a:srgbClr val="FFFFFF"/>
                 </a:solidFill>
               </a14:hiddenFill>
             </a:ext>
-            <a:ext uri="{91240B29-F687-4F45-9708-019B960494DF}">
+            <a:ext uri="{91240B29-F687-4f45-9708-019B960494DF}">
               <a14:hiddenLine xmlns:a14="http://schemas.microsoft.com/office/drawing/2010/main" w="9525">
                 <a:solidFill>
                   <a:srgbClr val="000000"/>
@@ -4591,14 +4592,14 @@
           <a:noFill/>
           <a:ln/>
           <a:extLst>
-            <a:ext uri="{909E8E84-426E-40DD-AFC4-6F175D3DCCD1}">
+            <a:ext uri="{909E8E84-426E-40dd-AFC4-6F175D3DCCD1}">
               <a14:hiddenFill xmlns:a14="http://schemas.microsoft.com/office/drawing/2010/main">
                 <a:solidFill>
                   <a:srgbClr val="FFFFFF"/>
                 </a:solidFill>
               </a14:hiddenFill>
             </a:ext>
-            <a:ext uri="{91240B29-F687-4F45-9708-019B960494DF}">
+            <a:ext uri="{91240B29-F687-4f45-9708-019B960494DF}">
               <a14:hiddenLine xmlns:a14="http://schemas.microsoft.com/office/drawing/2010/main" w="9525">
                 <a:solidFill>
                   <a:srgbClr val="000000"/>
@@ -4788,14 +4789,14 @@
           <a:noFill/>
           <a:ln/>
           <a:extLst>
-            <a:ext uri="{909E8E84-426E-40DD-AFC4-6F175D3DCCD1}">
+            <a:ext uri="{909E8E84-426E-40dd-AFC4-6F175D3DCCD1}">
               <a14:hiddenFill xmlns:a14="http://schemas.microsoft.com/office/drawing/2010/main">
                 <a:solidFill>
                   <a:srgbClr val="FFFFFF"/>
                 </a:solidFill>
               </a14:hiddenFill>
             </a:ext>
-            <a:ext uri="{91240B29-F687-4F45-9708-019B960494DF}">
+            <a:ext uri="{91240B29-F687-4f45-9708-019B960494DF}">
               <a14:hiddenLine xmlns:a14="http://schemas.microsoft.com/office/drawing/2010/main" w="9525">
                 <a:solidFill>
                   <a:srgbClr val="000000"/>
@@ -4831,14 +4832,14 @@
           <a:noFill/>
           <a:ln/>
           <a:extLst>
-            <a:ext uri="{909E8E84-426E-40DD-AFC4-6F175D3DCCD1}">
+            <a:ext uri="{909E8E84-426E-40dd-AFC4-6F175D3DCCD1}">
               <a14:hiddenFill xmlns:a14="http://schemas.microsoft.com/office/drawing/2010/main">
                 <a:solidFill>
                   <a:srgbClr val="FFFFFF"/>
                 </a:solidFill>
               </a14:hiddenFill>
             </a:ext>
-            <a:ext uri="{91240B29-F687-4F45-9708-019B960494DF}">
+            <a:ext uri="{91240B29-F687-4f45-9708-019B960494DF}">
               <a14:hiddenLine xmlns:a14="http://schemas.microsoft.com/office/drawing/2010/main" w="9525">
                 <a:solidFill>
                   <a:srgbClr val="000000"/>
@@ -5028,14 +5029,14 @@
           <a:noFill/>
           <a:ln/>
           <a:extLst>
-            <a:ext uri="{909E8E84-426E-40DD-AFC4-6F175D3DCCD1}">
+            <a:ext uri="{909E8E84-426E-40dd-AFC4-6F175D3DCCD1}">
               <a14:hiddenFill xmlns:a14="http://schemas.microsoft.com/office/drawing/2010/main">
                 <a:solidFill>
                   <a:srgbClr val="FFFFFF"/>
                 </a:solidFill>
               </a14:hiddenFill>
             </a:ext>
-            <a:ext uri="{91240B29-F687-4F45-9708-019B960494DF}">
+            <a:ext uri="{91240B29-F687-4f45-9708-019B960494DF}">
               <a14:hiddenLine xmlns:a14="http://schemas.microsoft.com/office/drawing/2010/main" w="9525">
                 <a:solidFill>
                   <a:srgbClr val="000000"/>
@@ -5071,14 +5072,14 @@
           <a:noFill/>
           <a:ln/>
           <a:extLst>
-            <a:ext uri="{909E8E84-426E-40DD-AFC4-6F175D3DCCD1}">
+            <a:ext uri="{909E8E84-426E-40dd-AFC4-6F175D3DCCD1}">
               <a14:hiddenFill xmlns:a14="http://schemas.microsoft.com/office/drawing/2010/main">
                 <a:solidFill>
                   <a:srgbClr val="FFFFFF"/>
                 </a:solidFill>
               </a14:hiddenFill>
             </a:ext>
-            <a:ext uri="{91240B29-F687-4F45-9708-019B960494DF}">
+            <a:ext uri="{91240B29-F687-4f45-9708-019B960494DF}">
               <a14:hiddenLine xmlns:a14="http://schemas.microsoft.com/office/drawing/2010/main" w="9525">
                 <a:solidFill>
                   <a:srgbClr val="000000"/>
@@ -5268,14 +5269,14 @@
           <a:noFill/>
           <a:ln/>
           <a:extLst>
-            <a:ext uri="{909E8E84-426E-40DD-AFC4-6F175D3DCCD1}">
+            <a:ext uri="{909E8E84-426E-40dd-AFC4-6F175D3DCCD1}">
               <a14:hiddenFill xmlns:a14="http://schemas.microsoft.com/office/drawing/2010/main">
                 <a:solidFill>
                   <a:srgbClr val="FFFFFF"/>
                 </a:solidFill>
               </a14:hiddenFill>
             </a:ext>
-            <a:ext uri="{91240B29-F687-4F45-9708-019B960494DF}">
+            <a:ext uri="{91240B29-F687-4f45-9708-019B960494DF}">
               <a14:hiddenLine xmlns:a14="http://schemas.microsoft.com/office/drawing/2010/main" w="9525">
                 <a:solidFill>
                   <a:srgbClr val="000000"/>
@@ -5311,14 +5312,14 @@
           <a:noFill/>
           <a:ln/>
           <a:extLst>
-            <a:ext uri="{909E8E84-426E-40DD-AFC4-6F175D3DCCD1}">
+            <a:ext uri="{909E8E84-426E-40dd-AFC4-6F175D3DCCD1}">
               <a14:hiddenFill xmlns:a14="http://schemas.microsoft.com/office/drawing/2010/main">
                 <a:solidFill>
                   <a:srgbClr val="FFFFFF"/>
                 </a:solidFill>
               </a14:hiddenFill>
             </a:ext>
-            <a:ext uri="{91240B29-F687-4F45-9708-019B960494DF}">
+            <a:ext uri="{91240B29-F687-4f45-9708-019B960494DF}">
               <a14:hiddenLine xmlns:a14="http://schemas.microsoft.com/office/drawing/2010/main" w="9525">
                 <a:solidFill>
                   <a:srgbClr val="000000"/>
@@ -5508,14 +5509,14 @@
           <a:noFill/>
           <a:ln/>
           <a:extLst>
-            <a:ext uri="{909E8E84-426E-40DD-AFC4-6F175D3DCCD1}">
+            <a:ext uri="{909E8E84-426E-40dd-AFC4-6F175D3DCCD1}">
               <a14:hiddenFill xmlns:a14="http://schemas.microsoft.com/office/drawing/2010/main">
                 <a:solidFill>
                   <a:srgbClr val="FFFFFF"/>
                 </a:solidFill>
               </a14:hiddenFill>
             </a:ext>
-            <a:ext uri="{91240B29-F687-4F45-9708-019B960494DF}">
+            <a:ext uri="{91240B29-F687-4f45-9708-019B960494DF}">
               <a14:hiddenLine xmlns:a14="http://schemas.microsoft.com/office/drawing/2010/main" w="9525">
                 <a:solidFill>
                   <a:srgbClr val="000000"/>
@@ -5551,14 +5552,14 @@
           <a:noFill/>
           <a:ln/>
           <a:extLst>
-            <a:ext uri="{909E8E84-426E-40DD-AFC4-6F175D3DCCD1}">
+            <a:ext uri="{909E8E84-426E-40dd-AFC4-6F175D3DCCD1}">
               <a14:hiddenFill xmlns:a14="http://schemas.microsoft.com/office/drawing/2010/main">
                 <a:solidFill>
                   <a:srgbClr val="FFFFFF"/>
                 </a:solidFill>
               </a14:hiddenFill>
             </a:ext>
-            <a:ext uri="{91240B29-F687-4F45-9708-019B960494DF}">
+            <a:ext uri="{91240B29-F687-4f45-9708-019B960494DF}">
               <a14:hiddenLine xmlns:a14="http://schemas.microsoft.com/office/drawing/2010/main" w="9525">
                 <a:solidFill>
                   <a:srgbClr val="000000"/>
@@ -5748,14 +5749,14 @@
           <a:noFill/>
           <a:ln/>
           <a:extLst>
-            <a:ext uri="{909E8E84-426E-40DD-AFC4-6F175D3DCCD1}">
+            <a:ext uri="{909E8E84-426E-40dd-AFC4-6F175D3DCCD1}">
               <a14:hiddenFill xmlns:a14="http://schemas.microsoft.com/office/drawing/2010/main">
                 <a:solidFill>
                   <a:srgbClr val="FFFFFF"/>
                 </a:solidFill>
               </a14:hiddenFill>
             </a:ext>
-            <a:ext uri="{91240B29-F687-4F45-9708-019B960494DF}">
+            <a:ext uri="{91240B29-F687-4f45-9708-019B960494DF}">
               <a14:hiddenLine xmlns:a14="http://schemas.microsoft.com/office/drawing/2010/main" w="9525">
                 <a:solidFill>
                   <a:srgbClr val="000000"/>
@@ -5791,14 +5792,14 @@
           <a:noFill/>
           <a:ln/>
           <a:extLst>
-            <a:ext uri="{909E8E84-426E-40DD-AFC4-6F175D3DCCD1}">
+            <a:ext uri="{909E8E84-426E-40dd-AFC4-6F175D3DCCD1}">
               <a14:hiddenFill xmlns:a14="http://schemas.microsoft.com/office/drawing/2010/main">
                 <a:solidFill>
                   <a:srgbClr val="FFFFFF"/>
                 </a:solidFill>
               </a14:hiddenFill>
             </a:ext>
-            <a:ext uri="{91240B29-F687-4F45-9708-019B960494DF}">
+            <a:ext uri="{91240B29-F687-4f45-9708-019B960494DF}">
               <a14:hiddenLine xmlns:a14="http://schemas.microsoft.com/office/drawing/2010/main" w="9525">
                 <a:solidFill>
                   <a:srgbClr val="000000"/>
@@ -5988,14 +5989,14 @@
           <a:noFill/>
           <a:ln/>
           <a:extLst>
-            <a:ext uri="{909E8E84-426E-40DD-AFC4-6F175D3DCCD1}">
+            <a:ext uri="{909E8E84-426E-40dd-AFC4-6F175D3DCCD1}">
               <a14:hiddenFill xmlns:a14="http://schemas.microsoft.com/office/drawing/2010/main">
                 <a:solidFill>
                   <a:srgbClr val="FFFFFF"/>
                 </a:solidFill>
               </a14:hiddenFill>
             </a:ext>
-            <a:ext uri="{91240B29-F687-4F45-9708-019B960494DF}">
+            <a:ext uri="{91240B29-F687-4f45-9708-019B960494DF}">
               <a14:hiddenLine xmlns:a14="http://schemas.microsoft.com/office/drawing/2010/main" w="9525">
                 <a:solidFill>
                   <a:srgbClr val="000000"/>
@@ -6031,14 +6032,14 @@
           <a:noFill/>
           <a:ln/>
           <a:extLst>
-            <a:ext uri="{909E8E84-426E-40DD-AFC4-6F175D3DCCD1}">
+            <a:ext uri="{909E8E84-426E-40dd-AFC4-6F175D3DCCD1}">
               <a14:hiddenFill xmlns:a14="http://schemas.microsoft.com/office/drawing/2010/main">
                 <a:solidFill>
                   <a:srgbClr val="FFFFFF"/>
                 </a:solidFill>
               </a14:hiddenFill>
             </a:ext>
-            <a:ext uri="{91240B29-F687-4F45-9708-019B960494DF}">
+            <a:ext uri="{91240B29-F687-4f45-9708-019B960494DF}">
               <a14:hiddenLine xmlns:a14="http://schemas.microsoft.com/office/drawing/2010/main" w="9525">
                 <a:solidFill>
                   <a:srgbClr val="000000"/>
@@ -6228,14 +6229,14 @@
           <a:noFill/>
           <a:ln/>
           <a:extLst>
-            <a:ext uri="{909E8E84-426E-40DD-AFC4-6F175D3DCCD1}">
+            <a:ext uri="{909E8E84-426E-40dd-AFC4-6F175D3DCCD1}">
               <a14:hiddenFill xmlns:a14="http://schemas.microsoft.com/office/drawing/2010/main">
                 <a:solidFill>
                   <a:srgbClr val="FFFFFF"/>
                 </a:solidFill>
               </a14:hiddenFill>
             </a:ext>
-            <a:ext uri="{91240B29-F687-4F45-9708-019B960494DF}">
+            <a:ext uri="{91240B29-F687-4f45-9708-019B960494DF}">
               <a14:hiddenLine xmlns:a14="http://schemas.microsoft.com/office/drawing/2010/main" w="9525">
                 <a:solidFill>
                   <a:srgbClr val="000000"/>
@@ -6271,14 +6272,14 @@
           <a:noFill/>
           <a:ln/>
           <a:extLst>
-            <a:ext uri="{909E8E84-426E-40DD-AFC4-6F175D3DCCD1}">
+            <a:ext uri="{909E8E84-426E-40dd-AFC4-6F175D3DCCD1}">
               <a14:hiddenFill xmlns:a14="http://schemas.microsoft.com/office/drawing/2010/main">
                 <a:solidFill>
                   <a:srgbClr val="FFFFFF"/>
                 </a:solidFill>
               </a14:hiddenFill>
             </a:ext>
-            <a:ext uri="{91240B29-F687-4F45-9708-019B960494DF}">
+            <a:ext uri="{91240B29-F687-4f45-9708-019B960494DF}">
               <a14:hiddenLine xmlns:a14="http://schemas.microsoft.com/office/drawing/2010/main" w="9525">
                 <a:solidFill>
                   <a:srgbClr val="000000"/>
@@ -6468,14 +6469,14 @@
           <a:noFill/>
           <a:ln/>
           <a:extLst>
-            <a:ext uri="{909E8E84-426E-40DD-AFC4-6F175D3DCCD1}">
+            <a:ext uri="{909E8E84-426E-40dd-AFC4-6F175D3DCCD1}">
               <a14:hiddenFill xmlns:a14="http://schemas.microsoft.com/office/drawing/2010/main">
                 <a:solidFill>
                   <a:srgbClr val="FFFFFF"/>
                 </a:solidFill>
               </a14:hiddenFill>
             </a:ext>
-            <a:ext uri="{91240B29-F687-4F45-9708-019B960494DF}">
+            <a:ext uri="{91240B29-F687-4f45-9708-019B960494DF}">
               <a14:hiddenLine xmlns:a14="http://schemas.microsoft.com/office/drawing/2010/main" w="9525">
                 <a:solidFill>
                   <a:srgbClr val="000000"/>
@@ -6511,14 +6512,14 @@
           <a:noFill/>
           <a:ln/>
           <a:extLst>
-            <a:ext uri="{909E8E84-426E-40DD-AFC4-6F175D3DCCD1}">
+            <a:ext uri="{909E8E84-426E-40dd-AFC4-6F175D3DCCD1}">
               <a14:hiddenFill xmlns:a14="http://schemas.microsoft.com/office/drawing/2010/main">
                 <a:solidFill>
                   <a:srgbClr val="FFFFFF"/>
                 </a:solidFill>
               </a14:hiddenFill>
             </a:ext>
-            <a:ext uri="{91240B29-F687-4F45-9708-019B960494DF}">
+            <a:ext uri="{91240B29-F687-4f45-9708-019B960494DF}">
               <a14:hiddenLine xmlns:a14="http://schemas.microsoft.com/office/drawing/2010/main" w="9525">
                 <a:solidFill>
                   <a:srgbClr val="000000"/>
@@ -6708,14 +6709,14 @@
           <a:noFill/>
           <a:ln/>
           <a:extLst>
-            <a:ext uri="{909E8E84-426E-40DD-AFC4-6F175D3DCCD1}">
+            <a:ext uri="{909E8E84-426E-40dd-AFC4-6F175D3DCCD1}">
               <a14:hiddenFill xmlns:a14="http://schemas.microsoft.com/office/drawing/2010/main">
                 <a:solidFill>
                   <a:srgbClr val="FFFFFF"/>
                 </a:solidFill>
               </a14:hiddenFill>
             </a:ext>
-            <a:ext uri="{91240B29-F687-4F45-9708-019B960494DF}">
+            <a:ext uri="{91240B29-F687-4f45-9708-019B960494DF}">
               <a14:hiddenLine xmlns:a14="http://schemas.microsoft.com/office/drawing/2010/main" w="9525">
                 <a:solidFill>
                   <a:srgbClr val="000000"/>
@@ -6751,14 +6752,14 @@
           <a:noFill/>
           <a:ln/>
           <a:extLst>
-            <a:ext uri="{909E8E84-426E-40DD-AFC4-6F175D3DCCD1}">
+            <a:ext uri="{909E8E84-426E-40dd-AFC4-6F175D3DCCD1}">
               <a14:hiddenFill xmlns:a14="http://schemas.microsoft.com/office/drawing/2010/main">
                 <a:solidFill>
                   <a:srgbClr val="FFFFFF"/>
                 </a:solidFill>
               </a14:hiddenFill>
             </a:ext>
-            <a:ext uri="{91240B29-F687-4F45-9708-019B960494DF}">
+            <a:ext uri="{91240B29-F687-4f45-9708-019B960494DF}">
               <a14:hiddenLine xmlns:a14="http://schemas.microsoft.com/office/drawing/2010/main" w="9525">
                 <a:solidFill>
                   <a:srgbClr val="000000"/>
@@ -6948,14 +6949,14 @@
           <a:noFill/>
           <a:ln/>
           <a:extLst>
-            <a:ext uri="{909E8E84-426E-40DD-AFC4-6F175D3DCCD1}">
+            <a:ext uri="{909E8E84-426E-40dd-AFC4-6F175D3DCCD1}">
               <a14:hiddenFill xmlns:a14="http://schemas.microsoft.com/office/drawing/2010/main">
                 <a:solidFill>
                   <a:srgbClr val="FFFFFF"/>
                 </a:solidFill>
               </a14:hiddenFill>
             </a:ext>
-            <a:ext uri="{91240B29-F687-4F45-9708-019B960494DF}">
+            <a:ext uri="{91240B29-F687-4f45-9708-019B960494DF}">
               <a14:hiddenLine xmlns:a14="http://schemas.microsoft.com/office/drawing/2010/main" w="9525">
                 <a:solidFill>
                   <a:srgbClr val="000000"/>
@@ -6991,14 +6992,14 @@
           <a:noFill/>
           <a:ln/>
           <a:extLst>
-            <a:ext uri="{909E8E84-426E-40DD-AFC4-6F175D3DCCD1}">
+            <a:ext uri="{909E8E84-426E-40dd-AFC4-6F175D3DCCD1}">
               <a14:hiddenFill xmlns:a14="http://schemas.microsoft.com/office/drawing/2010/main">
                 <a:solidFill>
                   <a:srgbClr val="FFFFFF"/>
                 </a:solidFill>
               </a14:hiddenFill>
             </a:ext>
-            <a:ext uri="{91240B29-F687-4F45-9708-019B960494DF}">
+            <a:ext uri="{91240B29-F687-4f45-9708-019B960494DF}">
               <a14:hiddenLine xmlns:a14="http://schemas.microsoft.com/office/drawing/2010/main" w="9525">
                 <a:solidFill>
                   <a:srgbClr val="000000"/>
@@ -7188,14 +7189,14 @@
           <a:noFill/>
           <a:ln/>
           <a:extLst>
-            <a:ext uri="{909E8E84-426E-40DD-AFC4-6F175D3DCCD1}">
+            <a:ext uri="{909E8E84-426E-40dd-AFC4-6F175D3DCCD1}">
               <a14:hiddenFill xmlns:a14="http://schemas.microsoft.com/office/drawing/2010/main">
                 <a:solidFill>
                   <a:srgbClr val="FFFFFF"/>
                 </a:solidFill>
               </a14:hiddenFill>
             </a:ext>
-            <a:ext uri="{91240B29-F687-4F45-9708-019B960494DF}">
+            <a:ext uri="{91240B29-F687-4f45-9708-019B960494DF}">
               <a14:hiddenLine xmlns:a14="http://schemas.microsoft.com/office/drawing/2010/main" w="9525">
                 <a:solidFill>
                   <a:srgbClr val="000000"/>
@@ -7231,14 +7232,14 @@
           <a:noFill/>
           <a:ln/>
           <a:extLst>
-            <a:ext uri="{909E8E84-426E-40DD-AFC4-6F175D3DCCD1}">
+            <a:ext uri="{909E8E84-426E-40dd-AFC4-6F175D3DCCD1}">
               <a14:hiddenFill xmlns:a14="http://schemas.microsoft.com/office/drawing/2010/main">
                 <a:solidFill>
                   <a:srgbClr val="FFFFFF"/>
                 </a:solidFill>
               </a14:hiddenFill>
             </a:ext>
-            <a:ext uri="{91240B29-F687-4F45-9708-019B960494DF}">
+            <a:ext uri="{91240B29-F687-4f45-9708-019B960494DF}">
               <a14:hiddenLine xmlns:a14="http://schemas.microsoft.com/office/drawing/2010/main" w="9525">
                 <a:solidFill>
                   <a:srgbClr val="000000"/>
@@ -7365,6 +7366,246 @@
               <a:rPr lang="en-US" altLang="en-US" smtClean="0"/>
               <a:pPr eaLnBrk="1" hangingPunct="1"/>
               <a:t>33</a:t>
+            </a:fld>
+            <a:endParaRPr lang="en-US" altLang="en-US" smtClean="0"/>
+          </a:p>
+        </p:txBody>
+      </p:sp>
+    </p:spTree>
+    <p:extLst>
+      <p:ext uri="{BB962C8B-B14F-4D97-AF65-F5344CB8AC3E}">
+        <p14:creationId xmlns:p14="http://schemas.microsoft.com/office/powerpoint/2010/main" val="479318269"/>
+      </p:ext>
+    </p:extLst>
+  </p:cSld>
+  <p:clrMapOvr>
+    <a:masterClrMapping/>
+  </p:clrMapOvr>
+</p:notes>
+</file>
+
+<file path=ppt/notesSlides/notesSlide34.xml><?xml version="1.0" encoding="utf-8"?>
+<p:notes xmlns:a="http://schemas.openxmlformats.org/drawingml/2006/main" xmlns:r="http://schemas.openxmlformats.org/officeDocument/2006/relationships" xmlns:p="http://schemas.openxmlformats.org/presentationml/2006/main">
+  <p:cSld>
+    <p:spTree>
+      <p:nvGrpSpPr>
+        <p:cNvPr id="1" name=""/>
+        <p:cNvGrpSpPr/>
+        <p:nvPr/>
+      </p:nvGrpSpPr>
+      <p:grpSpPr>
+        <a:xfrm>
+          <a:off x="0" y="0"/>
+          <a:ext cx="0" cy="0"/>
+          <a:chOff x="0" y="0"/>
+          <a:chExt cx="0" cy="0"/>
+        </a:xfrm>
+      </p:grpSpPr>
+      <p:sp>
+        <p:nvSpPr>
+          <p:cNvPr id="75778" name="Slide Image Placeholder 1"/>
+          <p:cNvSpPr>
+            <a:spLocks noGrp="1" noRot="1" noChangeAspect="1" noTextEdit="1"/>
+          </p:cNvSpPr>
+          <p:nvPr>
+            <p:ph type="sldImg"/>
+          </p:nvPr>
+        </p:nvSpPr>
+        <p:spPr>
+          <a:ln/>
+        </p:spPr>
+      </p:sp>
+      <p:sp>
+        <p:nvSpPr>
+          <p:cNvPr id="75779" name="Notes Placeholder 2"/>
+          <p:cNvSpPr>
+            <a:spLocks noGrp="1"/>
+          </p:cNvSpPr>
+          <p:nvPr>
+            <p:ph type="body" idx="1"/>
+          </p:nvPr>
+        </p:nvSpPr>
+        <p:spPr>
+          <a:noFill/>
+          <a:ln/>
+          <a:extLst>
+            <a:ext uri="{909E8E84-426E-40dd-AFC4-6F175D3DCCD1}">
+              <a14:hiddenFill xmlns:a14="http://schemas.microsoft.com/office/drawing/2010/main">
+                <a:solidFill>
+                  <a:srgbClr val="FFFFFF"/>
+                </a:solidFill>
+              </a14:hiddenFill>
+            </a:ext>
+            <a:ext uri="{91240B29-F687-4f45-9708-019B960494DF}">
+              <a14:hiddenLine xmlns:a14="http://schemas.microsoft.com/office/drawing/2010/main" w="9525">
+                <a:solidFill>
+                  <a:srgbClr val="000000"/>
+                </a:solidFill>
+                <a:miter lim="800000"/>
+                <a:headEnd/>
+                <a:tailEnd/>
+              </a14:hiddenLine>
+            </a:ext>
+          </a:extLst>
+        </p:spPr>
+        <p:txBody>
+          <a:bodyPr/>
+          <a:lstStyle/>
+          <a:p>
+            <a:endParaRPr lang="en-US" altLang="en-US" smtClean="0">
+              <a:latin typeface="Times New Roman" charset="0"/>
+            </a:endParaRPr>
+          </a:p>
+        </p:txBody>
+      </p:sp>
+      <p:sp>
+        <p:nvSpPr>
+          <p:cNvPr id="75780" name="Slide Number Placeholder 3"/>
+          <p:cNvSpPr>
+            <a:spLocks noGrp="1"/>
+          </p:cNvSpPr>
+          <p:nvPr>
+            <p:ph type="sldNum" sz="quarter" idx="5"/>
+          </p:nvPr>
+        </p:nvSpPr>
+        <p:spPr>
+          <a:noFill/>
+          <a:ln/>
+          <a:extLst>
+            <a:ext uri="{909E8E84-426E-40dd-AFC4-6F175D3DCCD1}">
+              <a14:hiddenFill xmlns:a14="http://schemas.microsoft.com/office/drawing/2010/main">
+                <a:solidFill>
+                  <a:srgbClr val="FFFFFF"/>
+                </a:solidFill>
+              </a14:hiddenFill>
+            </a:ext>
+            <a:ext uri="{91240B29-F687-4f45-9708-019B960494DF}">
+              <a14:hiddenLine xmlns:a14="http://schemas.microsoft.com/office/drawing/2010/main" w="9525">
+                <a:solidFill>
+                  <a:srgbClr val="000000"/>
+                </a:solidFill>
+                <a:miter lim="800000"/>
+                <a:headEnd/>
+                <a:tailEnd/>
+              </a14:hiddenLine>
+            </a:ext>
+          </a:extLst>
+        </p:spPr>
+        <p:txBody>
+          <a:bodyPr/>
+          <a:lstStyle>
+            <a:lvl1pPr eaLnBrk="0" hangingPunct="0">
+              <a:defRPr>
+                <a:solidFill>
+                  <a:schemeClr val="tx1"/>
+                </a:solidFill>
+                <a:latin typeface="Arial" charset="0"/>
+                <a:ea typeface="ＭＳ Ｐゴシック" charset="-128"/>
+              </a:defRPr>
+            </a:lvl1pPr>
+            <a:lvl2pPr marL="742950" indent="-285750" eaLnBrk="0" hangingPunct="0">
+              <a:defRPr>
+                <a:solidFill>
+                  <a:schemeClr val="tx1"/>
+                </a:solidFill>
+                <a:latin typeface="Arial" charset="0"/>
+                <a:ea typeface="ＭＳ Ｐゴシック" charset="-128"/>
+              </a:defRPr>
+            </a:lvl2pPr>
+            <a:lvl3pPr marL="1143000" indent="-228600" eaLnBrk="0" hangingPunct="0">
+              <a:defRPr>
+                <a:solidFill>
+                  <a:schemeClr val="tx1"/>
+                </a:solidFill>
+                <a:latin typeface="Arial" charset="0"/>
+                <a:ea typeface="ＭＳ Ｐゴシック" charset="-128"/>
+              </a:defRPr>
+            </a:lvl3pPr>
+            <a:lvl4pPr marL="1600200" indent="-228600" eaLnBrk="0" hangingPunct="0">
+              <a:defRPr>
+                <a:solidFill>
+                  <a:schemeClr val="tx1"/>
+                </a:solidFill>
+                <a:latin typeface="Arial" charset="0"/>
+                <a:ea typeface="ＭＳ Ｐゴシック" charset="-128"/>
+              </a:defRPr>
+            </a:lvl4pPr>
+            <a:lvl5pPr marL="2057400" indent="-228600" eaLnBrk="0" hangingPunct="0">
+              <a:defRPr>
+                <a:solidFill>
+                  <a:schemeClr val="tx1"/>
+                </a:solidFill>
+                <a:latin typeface="Arial" charset="0"/>
+                <a:ea typeface="ＭＳ Ｐゴシック" charset="-128"/>
+              </a:defRPr>
+            </a:lvl5pPr>
+            <a:lvl6pPr marL="2514600" indent="-228600" eaLnBrk="0" fontAlgn="base" hangingPunct="0">
+              <a:spcBef>
+                <a:spcPct val="0"/>
+              </a:spcBef>
+              <a:spcAft>
+                <a:spcPct val="0"/>
+              </a:spcAft>
+              <a:defRPr>
+                <a:solidFill>
+                  <a:schemeClr val="tx1"/>
+                </a:solidFill>
+                <a:latin typeface="Arial" charset="0"/>
+                <a:ea typeface="ＭＳ Ｐゴシック" charset="-128"/>
+              </a:defRPr>
+            </a:lvl6pPr>
+            <a:lvl7pPr marL="2971800" indent="-228600" eaLnBrk="0" fontAlgn="base" hangingPunct="0">
+              <a:spcBef>
+                <a:spcPct val="0"/>
+              </a:spcBef>
+              <a:spcAft>
+                <a:spcPct val="0"/>
+              </a:spcAft>
+              <a:defRPr>
+                <a:solidFill>
+                  <a:schemeClr val="tx1"/>
+                </a:solidFill>
+                <a:latin typeface="Arial" charset="0"/>
+                <a:ea typeface="ＭＳ Ｐゴシック" charset="-128"/>
+              </a:defRPr>
+            </a:lvl7pPr>
+            <a:lvl8pPr marL="3429000" indent="-228600" eaLnBrk="0" fontAlgn="base" hangingPunct="0">
+              <a:spcBef>
+                <a:spcPct val="0"/>
+              </a:spcBef>
+              <a:spcAft>
+                <a:spcPct val="0"/>
+              </a:spcAft>
+              <a:defRPr>
+                <a:solidFill>
+                  <a:schemeClr val="tx1"/>
+                </a:solidFill>
+                <a:latin typeface="Arial" charset="0"/>
+                <a:ea typeface="ＭＳ Ｐゴシック" charset="-128"/>
+              </a:defRPr>
+            </a:lvl8pPr>
+            <a:lvl9pPr marL="3886200" indent="-228600" eaLnBrk="0" fontAlgn="base" hangingPunct="0">
+              <a:spcBef>
+                <a:spcPct val="0"/>
+              </a:spcBef>
+              <a:spcAft>
+                <a:spcPct val="0"/>
+              </a:spcAft>
+              <a:defRPr>
+                <a:solidFill>
+                  <a:schemeClr val="tx1"/>
+                </a:solidFill>
+                <a:latin typeface="Arial" charset="0"/>
+                <a:ea typeface="ＭＳ Ｐゴシック" charset="-128"/>
+              </a:defRPr>
+            </a:lvl9pPr>
+          </a:lstStyle>
+          <a:p>
+            <a:pPr eaLnBrk="1" hangingPunct="1"/>
+            <a:fld id="{9E2184DD-35D1-4373-A40B-9EB320696708}" type="slidenum">
+              <a:rPr lang="en-US" altLang="en-US" smtClean="0"/>
+              <a:pPr eaLnBrk="1" hangingPunct="1"/>
+              <a:t>34</a:t>
             </a:fld>
             <a:endParaRPr lang="en-US" altLang="en-US" smtClean="0"/>
           </a:p>
@@ -7428,14 +7669,14 @@
           <a:noFill/>
           <a:ln/>
           <a:extLst>
-            <a:ext uri="{909E8E84-426E-40DD-AFC4-6F175D3DCCD1}">
+            <a:ext uri="{909E8E84-426E-40dd-AFC4-6F175D3DCCD1}">
               <a14:hiddenFill xmlns:a14="http://schemas.microsoft.com/office/drawing/2010/main">
                 <a:solidFill>
                   <a:srgbClr val="FFFFFF"/>
                 </a:solidFill>
               </a14:hiddenFill>
             </a:ext>
-            <a:ext uri="{91240B29-F687-4F45-9708-019B960494DF}">
+            <a:ext uri="{91240B29-F687-4f45-9708-019B960494DF}">
               <a14:hiddenLine xmlns:a14="http://schemas.microsoft.com/office/drawing/2010/main" w="9525">
                 <a:solidFill>
                   <a:srgbClr val="000000"/>
@@ -7471,14 +7712,14 @@
           <a:noFill/>
           <a:ln/>
           <a:extLst>
-            <a:ext uri="{909E8E84-426E-40DD-AFC4-6F175D3DCCD1}">
+            <a:ext uri="{909E8E84-426E-40dd-AFC4-6F175D3DCCD1}">
               <a14:hiddenFill xmlns:a14="http://schemas.microsoft.com/office/drawing/2010/main">
                 <a:solidFill>
                   <a:srgbClr val="FFFFFF"/>
                 </a:solidFill>
               </a14:hiddenFill>
             </a:ext>
-            <a:ext uri="{91240B29-F687-4F45-9708-019B960494DF}">
+            <a:ext uri="{91240B29-F687-4f45-9708-019B960494DF}">
               <a14:hiddenLine xmlns:a14="http://schemas.microsoft.com/office/drawing/2010/main" w="9525">
                 <a:solidFill>
                   <a:srgbClr val="000000"/>
@@ -7668,14 +7909,14 @@
           <a:noFill/>
           <a:ln/>
           <a:extLst>
-            <a:ext uri="{909E8E84-426E-40DD-AFC4-6F175D3DCCD1}">
+            <a:ext uri="{909E8E84-426E-40dd-AFC4-6F175D3DCCD1}">
               <a14:hiddenFill xmlns:a14="http://schemas.microsoft.com/office/drawing/2010/main">
                 <a:solidFill>
                   <a:srgbClr val="FFFFFF"/>
                 </a:solidFill>
               </a14:hiddenFill>
             </a:ext>
-            <a:ext uri="{91240B29-F687-4F45-9708-019B960494DF}">
+            <a:ext uri="{91240B29-F687-4f45-9708-019B960494DF}">
               <a14:hiddenLine xmlns:a14="http://schemas.microsoft.com/office/drawing/2010/main" w="9525">
                 <a:solidFill>
                   <a:srgbClr val="000000"/>
@@ -7711,14 +7952,14 @@
           <a:noFill/>
           <a:ln/>
           <a:extLst>
-            <a:ext uri="{909E8E84-426E-40DD-AFC4-6F175D3DCCD1}">
+            <a:ext uri="{909E8E84-426E-40dd-AFC4-6F175D3DCCD1}">
               <a14:hiddenFill xmlns:a14="http://schemas.microsoft.com/office/drawing/2010/main">
                 <a:solidFill>
                   <a:srgbClr val="FFFFFF"/>
                 </a:solidFill>
               </a14:hiddenFill>
             </a:ext>
-            <a:ext uri="{91240B29-F687-4F45-9708-019B960494DF}">
+            <a:ext uri="{91240B29-F687-4f45-9708-019B960494DF}">
               <a14:hiddenLine xmlns:a14="http://schemas.microsoft.com/office/drawing/2010/main" w="9525">
                 <a:solidFill>
                   <a:srgbClr val="000000"/>
@@ -7908,14 +8149,14 @@
           <a:noFill/>
           <a:ln/>
           <a:extLst>
-            <a:ext uri="{909E8E84-426E-40DD-AFC4-6F175D3DCCD1}">
+            <a:ext uri="{909E8E84-426E-40dd-AFC4-6F175D3DCCD1}">
               <a14:hiddenFill xmlns:a14="http://schemas.microsoft.com/office/drawing/2010/main">
                 <a:solidFill>
                   <a:srgbClr val="FFFFFF"/>
                 </a:solidFill>
               </a14:hiddenFill>
             </a:ext>
-            <a:ext uri="{91240B29-F687-4F45-9708-019B960494DF}">
+            <a:ext uri="{91240B29-F687-4f45-9708-019B960494DF}">
               <a14:hiddenLine xmlns:a14="http://schemas.microsoft.com/office/drawing/2010/main" w="9525">
                 <a:solidFill>
                   <a:srgbClr val="000000"/>
@@ -7951,14 +8192,14 @@
           <a:noFill/>
           <a:ln/>
           <a:extLst>
-            <a:ext uri="{909E8E84-426E-40DD-AFC4-6F175D3DCCD1}">
+            <a:ext uri="{909E8E84-426E-40dd-AFC4-6F175D3DCCD1}">
               <a14:hiddenFill xmlns:a14="http://schemas.microsoft.com/office/drawing/2010/main">
                 <a:solidFill>
                   <a:srgbClr val="FFFFFF"/>
                 </a:solidFill>
               </a14:hiddenFill>
             </a:ext>
-            <a:ext uri="{91240B29-F687-4F45-9708-019B960494DF}">
+            <a:ext uri="{91240B29-F687-4f45-9708-019B960494DF}">
               <a14:hiddenLine xmlns:a14="http://schemas.microsoft.com/office/drawing/2010/main" w="9525">
                 <a:solidFill>
                   <a:srgbClr val="000000"/>
@@ -8148,14 +8389,14 @@
           <a:noFill/>
           <a:ln/>
           <a:extLst>
-            <a:ext uri="{909E8E84-426E-40DD-AFC4-6F175D3DCCD1}">
+            <a:ext uri="{909E8E84-426E-40dd-AFC4-6F175D3DCCD1}">
               <a14:hiddenFill xmlns:a14="http://schemas.microsoft.com/office/drawing/2010/main">
                 <a:solidFill>
                   <a:srgbClr val="FFFFFF"/>
                 </a:solidFill>
               </a14:hiddenFill>
             </a:ext>
-            <a:ext uri="{91240B29-F687-4F45-9708-019B960494DF}">
+            <a:ext uri="{91240B29-F687-4f45-9708-019B960494DF}">
               <a14:hiddenLine xmlns:a14="http://schemas.microsoft.com/office/drawing/2010/main" w="9525">
                 <a:solidFill>
                   <a:srgbClr val="000000"/>
@@ -8191,14 +8432,14 @@
           <a:noFill/>
           <a:ln/>
           <a:extLst>
-            <a:ext uri="{909E8E84-426E-40DD-AFC4-6F175D3DCCD1}">
+            <a:ext uri="{909E8E84-426E-40dd-AFC4-6F175D3DCCD1}">
               <a14:hiddenFill xmlns:a14="http://schemas.microsoft.com/office/drawing/2010/main">
                 <a:solidFill>
                   <a:srgbClr val="FFFFFF"/>
                 </a:solidFill>
               </a14:hiddenFill>
             </a:ext>
-            <a:ext uri="{91240B29-F687-4F45-9708-019B960494DF}">
+            <a:ext uri="{91240B29-F687-4f45-9708-019B960494DF}">
               <a14:hiddenLine xmlns:a14="http://schemas.microsoft.com/office/drawing/2010/main" w="9525">
                 <a:solidFill>
                   <a:srgbClr val="000000"/>
@@ -8388,14 +8629,14 @@
           <a:noFill/>
           <a:ln/>
           <a:extLst>
-            <a:ext uri="{909E8E84-426E-40DD-AFC4-6F175D3DCCD1}">
+            <a:ext uri="{909E8E84-426E-40dd-AFC4-6F175D3DCCD1}">
               <a14:hiddenFill xmlns:a14="http://schemas.microsoft.com/office/drawing/2010/main">
                 <a:solidFill>
                   <a:srgbClr val="FFFFFF"/>
                 </a:solidFill>
               </a14:hiddenFill>
             </a:ext>
-            <a:ext uri="{91240B29-F687-4F45-9708-019B960494DF}">
+            <a:ext uri="{91240B29-F687-4f45-9708-019B960494DF}">
               <a14:hiddenLine xmlns:a14="http://schemas.microsoft.com/office/drawing/2010/main" w="9525">
                 <a:solidFill>
                   <a:srgbClr val="000000"/>
@@ -8431,14 +8672,14 @@
           <a:noFill/>
           <a:ln/>
           <a:extLst>
-            <a:ext uri="{909E8E84-426E-40DD-AFC4-6F175D3DCCD1}">
+            <a:ext uri="{909E8E84-426E-40dd-AFC4-6F175D3DCCD1}">
               <a14:hiddenFill xmlns:a14="http://schemas.microsoft.com/office/drawing/2010/main">
                 <a:solidFill>
                   <a:srgbClr val="FFFFFF"/>
                 </a:solidFill>
               </a14:hiddenFill>
             </a:ext>
-            <a:ext uri="{91240B29-F687-4F45-9708-019B960494DF}">
+            <a:ext uri="{91240B29-F687-4f45-9708-019B960494DF}">
               <a14:hiddenLine xmlns:a14="http://schemas.microsoft.com/office/drawing/2010/main" w="9525">
                 <a:solidFill>
                   <a:srgbClr val="000000"/>
@@ -8628,14 +8869,14 @@
           <a:noFill/>
           <a:ln/>
           <a:extLst>
-            <a:ext uri="{909E8E84-426E-40DD-AFC4-6F175D3DCCD1}">
+            <a:ext uri="{909E8E84-426E-40dd-AFC4-6F175D3DCCD1}">
               <a14:hiddenFill xmlns:a14="http://schemas.microsoft.com/office/drawing/2010/main">
                 <a:solidFill>
                   <a:srgbClr val="FFFFFF"/>
                 </a:solidFill>
               </a14:hiddenFill>
             </a:ext>
-            <a:ext uri="{91240B29-F687-4F45-9708-019B960494DF}">
+            <a:ext uri="{91240B29-F687-4f45-9708-019B960494DF}">
               <a14:hiddenLine xmlns:a14="http://schemas.microsoft.com/office/drawing/2010/main" w="9525">
                 <a:solidFill>
                   <a:srgbClr val="000000"/>
@@ -8671,14 +8912,14 @@
           <a:noFill/>
           <a:ln/>
           <a:extLst>
-            <a:ext uri="{909E8E84-426E-40DD-AFC4-6F175D3DCCD1}">
+            <a:ext uri="{909E8E84-426E-40dd-AFC4-6F175D3DCCD1}">
               <a14:hiddenFill xmlns:a14="http://schemas.microsoft.com/office/drawing/2010/main">
                 <a:solidFill>
                   <a:srgbClr val="FFFFFF"/>
                 </a:solidFill>
               </a14:hiddenFill>
             </a:ext>
-            <a:ext uri="{91240B29-F687-4F45-9708-019B960494DF}">
+            <a:ext uri="{91240B29-F687-4f45-9708-019B960494DF}">
               <a14:hiddenLine xmlns:a14="http://schemas.microsoft.com/office/drawing/2010/main" w="9525">
                 <a:solidFill>
                   <a:srgbClr val="000000"/>
@@ -9329,7 +9570,7 @@
   <p:timing>
     <p:tnLst>
       <p:par>
-        <p:cTn id="1" dur="indefinite" restart="never" nodeType="tmRoot"/>
+        <p:cTn xmlns:p14="http://schemas.microsoft.com/office/powerpoint/2010/main" id="1" dur="indefinite" restart="never" nodeType="tmRoot"/>
       </p:par>
     </p:tnLst>
   </p:timing>
@@ -10276,14 +10517,14 @@
             <a:noFill/>
           </a:ln>
           <a:extLst>
-            <a:ext uri="{909E8E84-426E-40DD-AFC4-6F175D3DCCD1}">
+            <a:ext uri="{909E8E84-426E-40dd-AFC4-6F175D3DCCD1}">
               <a14:hiddenFill xmlns:a14="http://schemas.microsoft.com/office/drawing/2010/main">
                 <a:solidFill>
                   <a:srgbClr val="FFFFFF"/>
                 </a:solidFill>
               </a14:hiddenFill>
             </a:ext>
-            <a:ext uri="{91240B29-F687-4F45-9708-019B960494DF}">
+            <a:ext uri="{91240B29-F687-4f45-9708-019B960494DF}">
               <a14:hiddenLine xmlns:a14="http://schemas.microsoft.com/office/drawing/2010/main" w="9525">
                 <a:solidFill>
                   <a:srgbClr val="000000"/>
@@ -10334,14 +10575,14 @@
             <a:noFill/>
           </a:ln>
           <a:extLst>
-            <a:ext uri="{909E8E84-426E-40DD-AFC4-6F175D3DCCD1}">
+            <a:ext uri="{909E8E84-426E-40dd-AFC4-6F175D3DCCD1}">
               <a14:hiddenFill xmlns:a14="http://schemas.microsoft.com/office/drawing/2010/main">
                 <a:solidFill>
                   <a:srgbClr val="FFFFFF"/>
                 </a:solidFill>
               </a14:hiddenFill>
             </a:ext>
-            <a:ext uri="{91240B29-F687-4F45-9708-019B960494DF}">
+            <a:ext uri="{91240B29-F687-4f45-9708-019B960494DF}">
               <a14:hiddenLine xmlns:a14="http://schemas.microsoft.com/office/drawing/2010/main" w="9525">
                 <a:solidFill>
                   <a:srgbClr val="000000"/>
@@ -10572,14 +10813,14 @@
             <a:noFill/>
           </a:ln>
           <a:extLst>
-            <a:ext uri="{909E8E84-426E-40DD-AFC4-6F175D3DCCD1}">
+            <a:ext uri="{909E8E84-426E-40dd-AFC4-6F175D3DCCD1}">
               <a14:hiddenFill xmlns:a14="http://schemas.microsoft.com/office/drawing/2010/main">
                 <a:solidFill>
                   <a:srgbClr val="FFFFFF"/>
                 </a:solidFill>
               </a14:hiddenFill>
             </a:ext>
-            <a:ext uri="{91240B29-F687-4F45-9708-019B960494DF}">
+            <a:ext uri="{91240B29-F687-4f45-9708-019B960494DF}">
               <a14:hiddenLine xmlns:a14="http://schemas.microsoft.com/office/drawing/2010/main" w="9525">
                 <a:solidFill>
                   <a:srgbClr val="000000"/>
@@ -10636,7 +10877,7 @@
   <p:timing>
     <p:tnLst>
       <p:par>
-        <p:cTn id="1" dur="indefinite" restart="never" nodeType="tmRoot"/>
+        <p:cTn xmlns:p14="http://schemas.microsoft.com/office/powerpoint/2010/main" id="1" dur="indefinite" restart="never" nodeType="tmRoot"/>
       </p:par>
     </p:tnLst>
   </p:timing>
@@ -11131,14 +11372,14 @@
         <p:spPr bwMode="auto">
           <a:noFill/>
           <a:extLst>
-            <a:ext uri="{909E8E84-426E-40DD-AFC4-6F175D3DCCD1}">
+            <a:ext uri="{909E8E84-426E-40dd-AFC4-6F175D3DCCD1}">
               <a14:hiddenFill xmlns:a14="http://schemas.microsoft.com/office/drawing/2010/main">
                 <a:solidFill>
                   <a:srgbClr val="FFFFFF"/>
                 </a:solidFill>
               </a14:hiddenFill>
             </a:ext>
-            <a:ext uri="{91240B29-F687-4F45-9708-019B960494DF}">
+            <a:ext uri="{91240B29-F687-4f45-9708-019B960494DF}">
               <a14:hiddenLine xmlns:a14="http://schemas.microsoft.com/office/drawing/2010/main" w="9525">
                 <a:solidFill>
                   <a:srgbClr val="000000"/>
@@ -11286,7 +11527,7 @@
   <p:timing>
     <p:tnLst>
       <p:par>
-        <p:cTn id="1" dur="indefinite" restart="never" nodeType="tmRoot"/>
+        <p:cTn xmlns:p14="http://schemas.microsoft.com/office/powerpoint/2010/main" id="1" dur="indefinite" restart="never" nodeType="tmRoot"/>
       </p:par>
     </p:tnLst>
   </p:timing>
@@ -11422,14 +11663,14 @@
             <a:noFill/>
           </a:ln>
           <a:extLst>
-            <a:ext uri="{909E8E84-426E-40DD-AFC4-6F175D3DCCD1}">
+            <a:ext uri="{909E8E84-426E-40dd-AFC4-6F175D3DCCD1}">
               <a14:hiddenFill xmlns:a14="http://schemas.microsoft.com/office/drawing/2010/main">
                 <a:solidFill>
                   <a:srgbClr val="FFFFFF"/>
                 </a:solidFill>
               </a14:hiddenFill>
             </a:ext>
-            <a:ext uri="{91240B29-F687-4F45-9708-019B960494DF}">
+            <a:ext uri="{91240B29-F687-4f45-9708-019B960494DF}">
               <a14:hiddenLine xmlns:a14="http://schemas.microsoft.com/office/drawing/2010/main" w="9525">
                 <a:solidFill>
                   <a:srgbClr val="000000"/>
@@ -11720,14 +11961,14 @@
         <p:spPr bwMode="auto">
           <a:noFill/>
           <a:extLst>
-            <a:ext uri="{909E8E84-426E-40DD-AFC4-6F175D3DCCD1}">
+            <a:ext uri="{909E8E84-426E-40dd-AFC4-6F175D3DCCD1}">
               <a14:hiddenFill xmlns:a14="http://schemas.microsoft.com/office/drawing/2010/main">
                 <a:solidFill>
                   <a:srgbClr val="FFFFFF"/>
                 </a:solidFill>
               </a14:hiddenFill>
             </a:ext>
-            <a:ext uri="{91240B29-F687-4F45-9708-019B960494DF}">
+            <a:ext uri="{91240B29-F687-4f45-9708-019B960494DF}">
               <a14:hiddenLine xmlns:a14="http://schemas.microsoft.com/office/drawing/2010/main" w="9525">
                 <a:solidFill>
                   <a:srgbClr val="000000"/>
@@ -11875,7 +12116,7 @@
   <p:timing>
     <p:tnLst>
       <p:par>
-        <p:cTn id="1" dur="indefinite" restart="never" nodeType="tmRoot"/>
+        <p:cTn xmlns:p14="http://schemas.microsoft.com/office/powerpoint/2010/main" id="1" dur="indefinite" restart="never" nodeType="tmRoot"/>
       </p:par>
     </p:tnLst>
   </p:timing>
@@ -11945,14 +12186,14 @@
             <a:noFill/>
           </a:ln>
           <a:extLst>
-            <a:ext uri="{909E8E84-426E-40DD-AFC4-6F175D3DCCD1}">
+            <a:ext uri="{909E8E84-426E-40dd-AFC4-6F175D3DCCD1}">
               <a14:hiddenFill xmlns:a14="http://schemas.microsoft.com/office/drawing/2010/main">
                 <a:solidFill>
                   <a:srgbClr val="FFFFFF"/>
                 </a:solidFill>
               </a14:hiddenFill>
             </a:ext>
-            <a:ext uri="{91240B29-F687-4F45-9708-019B960494DF}">
+            <a:ext uri="{91240B29-F687-4f45-9708-019B960494DF}">
               <a14:hiddenLine xmlns:a14="http://schemas.microsoft.com/office/drawing/2010/main" w="9525">
                 <a:solidFill>
                   <a:srgbClr val="000000"/>
@@ -12413,14 +12654,14 @@
         <p:spPr bwMode="auto">
           <a:noFill/>
           <a:extLst>
-            <a:ext uri="{909E8E84-426E-40DD-AFC4-6F175D3DCCD1}">
+            <a:ext uri="{909E8E84-426E-40dd-AFC4-6F175D3DCCD1}">
               <a14:hiddenFill xmlns:a14="http://schemas.microsoft.com/office/drawing/2010/main">
                 <a:solidFill>
                   <a:srgbClr val="FFFFFF"/>
                 </a:solidFill>
               </a14:hiddenFill>
             </a:ext>
-            <a:ext uri="{91240B29-F687-4F45-9708-019B960494DF}">
+            <a:ext uri="{91240B29-F687-4f45-9708-019B960494DF}">
               <a14:hiddenLine xmlns:a14="http://schemas.microsoft.com/office/drawing/2010/main" w="9525">
                 <a:solidFill>
                   <a:srgbClr val="000000"/>
@@ -12612,7 +12853,7 @@
           <a:graphicData uri="http://schemas.openxmlformats.org/presentationml/2006/ole">
             <mc:AlternateContent xmlns:mc="http://schemas.openxmlformats.org/markup-compatibility/2006">
               <mc:Choice xmlns:v="urn:schemas-microsoft-com:vml" Requires="v">
-                <p:oleObj spid="_x0000_s11295" name="Equation" r:id="rId5" imgW="304800" imgH="139700" progId="Equation.DSMT4">
+                <p:oleObj spid="_x0000_s11644" name="Equation" r:id="rId5" imgW="304800" imgH="139700" progId="Equation.DSMT4">
                   <p:embed/>
                 </p:oleObj>
               </mc:Choice>
@@ -12669,7 +12910,7 @@
           <a:graphicData uri="http://schemas.openxmlformats.org/presentationml/2006/ole">
             <mc:AlternateContent xmlns:mc="http://schemas.openxmlformats.org/markup-compatibility/2006">
               <mc:Choice xmlns:v="urn:schemas-microsoft-com:vml" Requires="v">
-                <p:oleObj spid="_x0000_s11296" name="Equation" r:id="rId7" imgW="342900" imgH="139700" progId="Equation.DSMT4">
+                <p:oleObj spid="_x0000_s11645" name="Equation" r:id="rId7" imgW="342900" imgH="139700" progId="Equation.DSMT4">
                   <p:embed/>
                 </p:oleObj>
               </mc:Choice>
@@ -12726,7 +12967,7 @@
           <a:graphicData uri="http://schemas.openxmlformats.org/presentationml/2006/ole">
             <mc:AlternateContent xmlns:mc="http://schemas.openxmlformats.org/markup-compatibility/2006">
               <mc:Choice xmlns:v="urn:schemas-microsoft-com:vml" Requires="v">
-                <p:oleObj spid="_x0000_s11297" name="Equation" r:id="rId9" imgW="304800" imgH="139700" progId="Equation.DSMT4">
+                <p:oleObj spid="_x0000_s11646" name="Equation" r:id="rId9" imgW="304800" imgH="139700" progId="Equation.DSMT4">
                   <p:embed/>
                 </p:oleObj>
               </mc:Choice>
@@ -12783,7 +13024,7 @@
           <a:graphicData uri="http://schemas.openxmlformats.org/presentationml/2006/ole">
             <mc:AlternateContent xmlns:mc="http://schemas.openxmlformats.org/markup-compatibility/2006">
               <mc:Choice xmlns:v="urn:schemas-microsoft-com:vml" Requires="v">
-                <p:oleObj spid="_x0000_s11298" name="Equation" r:id="rId11" imgW="355600" imgH="139700" progId="Equation.DSMT4">
+                <p:oleObj spid="_x0000_s11647" name="Equation" r:id="rId11" imgW="355600" imgH="139700" progId="Equation.DSMT4">
                   <p:embed/>
                 </p:oleObj>
               </mc:Choice>
@@ -12840,7 +13081,7 @@
           <a:graphicData uri="http://schemas.openxmlformats.org/presentationml/2006/ole">
             <mc:AlternateContent xmlns:mc="http://schemas.openxmlformats.org/markup-compatibility/2006">
               <mc:Choice xmlns:v="urn:schemas-microsoft-com:vml" Requires="v">
-                <p:oleObj spid="_x0000_s11299" name="Equation" r:id="rId13" imgW="342900" imgH="139700" progId="Equation.DSMT4">
+                <p:oleObj spid="_x0000_s11648" name="Equation" r:id="rId13" imgW="342900" imgH="139700" progId="Equation.DSMT4">
                   <p:embed/>
                 </p:oleObj>
               </mc:Choice>
@@ -12897,7 +13138,7 @@
           <a:graphicData uri="http://schemas.openxmlformats.org/presentationml/2006/ole">
             <mc:AlternateContent xmlns:mc="http://schemas.openxmlformats.org/markup-compatibility/2006">
               <mc:Choice xmlns:v="urn:schemas-microsoft-com:vml" Requires="v">
-                <p:oleObj spid="_x0000_s11300" name="Equation" r:id="rId15" imgW="1473200" imgH="177800" progId="Equation.DSMT4">
+                <p:oleObj spid="_x0000_s11649" name="Equation" r:id="rId15" imgW="1473200" imgH="177800" progId="Equation.DSMT4">
                   <p:embed/>
                 </p:oleObj>
               </mc:Choice>
@@ -12940,7 +13181,7 @@
   <p:timing>
     <p:tnLst>
       <p:par>
-        <p:cTn id="1" dur="indefinite" restart="never" nodeType="tmRoot"/>
+        <p:cTn xmlns:p14="http://schemas.microsoft.com/office/powerpoint/2010/main" id="1" dur="indefinite" restart="never" nodeType="tmRoot"/>
       </p:par>
     </p:tnLst>
   </p:timing>
@@ -13139,14 +13380,14 @@
         <p:spPr bwMode="auto">
           <a:noFill/>
           <a:extLst>
-            <a:ext uri="{909E8E84-426E-40DD-AFC4-6F175D3DCCD1}">
+            <a:ext uri="{909E8E84-426E-40dd-AFC4-6F175D3DCCD1}">
               <a14:hiddenFill xmlns:a14="http://schemas.microsoft.com/office/drawing/2010/main">
                 <a:solidFill>
                   <a:srgbClr val="FFFFFF"/>
                 </a:solidFill>
               </a14:hiddenFill>
             </a:ext>
-            <a:ext uri="{91240B29-F687-4F45-9708-019B960494DF}">
+            <a:ext uri="{91240B29-F687-4f45-9708-019B960494DF}">
               <a14:hiddenLine xmlns:a14="http://schemas.microsoft.com/office/drawing/2010/main" w="9525">
                 <a:solidFill>
                   <a:srgbClr val="000000"/>
@@ -13308,7 +13549,7 @@
           <a:graphicData uri="http://schemas.openxmlformats.org/presentationml/2006/ole">
             <mc:AlternateContent xmlns:mc="http://schemas.openxmlformats.org/markup-compatibility/2006">
               <mc:Choice xmlns:v="urn:schemas-microsoft-com:vml" Requires="v">
-                <p:oleObj spid="_x0000_s3090" name="Equation" r:id="rId4" imgW="127000" imgH="203200" progId="Equation.DSMT4">
+                <p:oleObj spid="_x0000_s3207" name="Equation" r:id="rId4" imgW="127000" imgH="203200" progId="Equation.DSMT4">
                   <p:embed/>
                 </p:oleObj>
               </mc:Choice>
@@ -13365,7 +13606,7 @@
           <a:graphicData uri="http://schemas.openxmlformats.org/presentationml/2006/ole">
             <mc:AlternateContent xmlns:mc="http://schemas.openxmlformats.org/markup-compatibility/2006">
               <mc:Choice xmlns:v="urn:schemas-microsoft-com:vml" Requires="v">
-                <p:oleObj spid="_x0000_s3091" name="Equation" r:id="rId6" imgW="812800" imgH="419100" progId="Equation.DSMT4">
+                <p:oleObj spid="_x0000_s3208" name="Equation" r:id="rId6" imgW="812800" imgH="419100" progId="Equation.DSMT4">
                   <p:embed/>
                 </p:oleObj>
               </mc:Choice>
@@ -13408,7 +13649,7 @@
   <p:timing>
     <p:tnLst>
       <p:par>
-        <p:cTn id="1" dur="indefinite" restart="never" nodeType="tmRoot"/>
+        <p:cTn xmlns:p14="http://schemas.microsoft.com/office/powerpoint/2010/main" id="1" dur="indefinite" restart="never" nodeType="tmRoot"/>
       </p:par>
     </p:tnLst>
   </p:timing>
@@ -13585,14 +13826,14 @@
         <p:spPr bwMode="auto">
           <a:noFill/>
           <a:extLst>
-            <a:ext uri="{909E8E84-426E-40DD-AFC4-6F175D3DCCD1}">
+            <a:ext uri="{909E8E84-426E-40dd-AFC4-6F175D3DCCD1}">
               <a14:hiddenFill xmlns:a14="http://schemas.microsoft.com/office/drawing/2010/main">
                 <a:solidFill>
                   <a:srgbClr val="FFFFFF"/>
                 </a:solidFill>
               </a14:hiddenFill>
             </a:ext>
-            <a:ext uri="{91240B29-F687-4F45-9708-019B960494DF}">
+            <a:ext uri="{91240B29-F687-4f45-9708-019B960494DF}">
               <a14:hiddenLine xmlns:a14="http://schemas.microsoft.com/office/drawing/2010/main" w="9525">
                 <a:solidFill>
                   <a:srgbClr val="000000"/>
@@ -13740,7 +13981,7 @@
   <p:timing>
     <p:tnLst>
       <p:par>
-        <p:cTn id="1" dur="indefinite" restart="never" nodeType="tmRoot"/>
+        <p:cTn xmlns:p14="http://schemas.microsoft.com/office/powerpoint/2010/main" id="1" dur="indefinite" restart="never" nodeType="tmRoot"/>
       </p:par>
     </p:tnLst>
   </p:timing>
@@ -13818,8 +14059,8 @@
         </p:nvSpPr>
         <p:spPr>
           <a:xfrm>
-            <a:off x="152400" y="1676400"/>
-            <a:ext cx="3886200" cy="4530725"/>
+            <a:off x="381000" y="1676400"/>
+            <a:ext cx="3657600" cy="4530725"/>
           </a:xfrm>
         </p:spPr>
         <p:txBody>
@@ -13863,14 +14104,14 @@
         <p:spPr bwMode="auto">
           <a:noFill/>
           <a:extLst>
-            <a:ext uri="{909E8E84-426E-40DD-AFC4-6F175D3DCCD1}">
+            <a:ext uri="{909E8E84-426E-40dd-AFC4-6F175D3DCCD1}">
               <a14:hiddenFill xmlns:a14="http://schemas.microsoft.com/office/drawing/2010/main">
                 <a:solidFill>
                   <a:srgbClr val="FFFFFF"/>
                 </a:solidFill>
               </a14:hiddenFill>
             </a:ext>
-            <a:ext uri="{91240B29-F687-4F45-9708-019B960494DF}">
+            <a:ext uri="{91240B29-F687-4f45-9708-019B960494DF}">
               <a14:hiddenLine xmlns:a14="http://schemas.microsoft.com/office/drawing/2010/main" w="9525">
                 <a:solidFill>
                   <a:srgbClr val="000000"/>
@@ -14044,14 +14285,14 @@
             <a:noFill/>
           </a:ln>
           <a:extLst>
-            <a:ext uri="{909E8E84-426E-40DD-AFC4-6F175D3DCCD1}">
+            <a:ext uri="{909E8E84-426E-40dd-AFC4-6F175D3DCCD1}">
               <a14:hiddenFill xmlns:a14="http://schemas.microsoft.com/office/drawing/2010/main">
                 <a:solidFill>
                   <a:schemeClr val="accent1"/>
                 </a:solidFill>
               </a14:hiddenFill>
             </a:ext>
-            <a:ext uri="{91240B29-F687-4F45-9708-019B960494DF}">
+            <a:ext uri="{91240B29-F687-4f45-9708-019B960494DF}">
               <a14:hiddenLine xmlns:a14="http://schemas.microsoft.com/office/drawing/2010/main" w="9525">
                 <a:solidFill>
                   <a:schemeClr val="tx1"/>
@@ -14072,7 +14313,7 @@
   <p:timing>
     <p:tnLst>
       <p:par>
-        <p:cTn id="1" dur="indefinite" restart="never" nodeType="tmRoot"/>
+        <p:cTn xmlns:p14="http://schemas.microsoft.com/office/powerpoint/2010/main" id="1" dur="indefinite" restart="never" nodeType="tmRoot"/>
       </p:par>
     </p:tnLst>
   </p:timing>
@@ -14224,14 +14465,14 @@
             <a:noFill/>
           </a:ln>
           <a:extLst>
-            <a:ext uri="{909E8E84-426E-40DD-AFC4-6F175D3DCCD1}">
+            <a:ext uri="{909E8E84-426E-40dd-AFC4-6F175D3DCCD1}">
               <a14:hiddenFill xmlns:a14="http://schemas.microsoft.com/office/drawing/2010/main">
                 <a:solidFill>
                   <a:srgbClr val="FFFFFF"/>
                 </a:solidFill>
               </a14:hiddenFill>
             </a:ext>
-            <a:ext uri="{91240B29-F687-4F45-9708-019B960494DF}">
+            <a:ext uri="{91240B29-F687-4f45-9708-019B960494DF}">
               <a14:hiddenLine xmlns:a14="http://schemas.microsoft.com/office/drawing/2010/main" w="9525">
                 <a:solidFill>
                   <a:srgbClr val="000000"/>
@@ -14379,14 +14620,14 @@
         <p:spPr bwMode="auto">
           <a:noFill/>
           <a:extLst>
-            <a:ext uri="{909E8E84-426E-40DD-AFC4-6F175D3DCCD1}">
+            <a:ext uri="{909E8E84-426E-40dd-AFC4-6F175D3DCCD1}">
               <a14:hiddenFill xmlns:a14="http://schemas.microsoft.com/office/drawing/2010/main">
                 <a:solidFill>
                   <a:srgbClr val="FFFFFF"/>
                 </a:solidFill>
               </a14:hiddenFill>
             </a:ext>
-            <a:ext uri="{91240B29-F687-4F45-9708-019B960494DF}">
+            <a:ext uri="{91240B29-F687-4f45-9708-019B960494DF}">
               <a14:hiddenLine xmlns:a14="http://schemas.microsoft.com/office/drawing/2010/main" w="9525">
                 <a:solidFill>
                   <a:srgbClr val="000000"/>
@@ -14560,14 +14801,14 @@
             <a:noFill/>
           </a:ln>
           <a:extLst>
-            <a:ext uri="{909E8E84-426E-40DD-AFC4-6F175D3DCCD1}">
+            <a:ext uri="{909E8E84-426E-40dd-AFC4-6F175D3DCCD1}">
               <a14:hiddenFill xmlns:a14="http://schemas.microsoft.com/office/drawing/2010/main">
                 <a:solidFill>
                   <a:schemeClr val="accent1"/>
                 </a:solidFill>
               </a14:hiddenFill>
             </a:ext>
-            <a:ext uri="{91240B29-F687-4F45-9708-019B960494DF}">
+            <a:ext uri="{91240B29-F687-4f45-9708-019B960494DF}">
               <a14:hiddenLine xmlns:a14="http://schemas.microsoft.com/office/drawing/2010/main" w="9525">
                 <a:solidFill>
                   <a:schemeClr val="tx1"/>
@@ -14588,7 +14829,7 @@
   <p:timing>
     <p:tnLst>
       <p:par>
-        <p:cTn id="1" dur="indefinite" restart="never" nodeType="tmRoot"/>
+        <p:cTn xmlns:p14="http://schemas.microsoft.com/office/powerpoint/2010/main" id="1" dur="indefinite" restart="never" nodeType="tmRoot"/>
       </p:par>
     </p:tnLst>
   </p:timing>
@@ -14629,19 +14870,19 @@
           <a:p>
             <a:pPr eaLnBrk="1" hangingPunct="1"/>
             <a:r>
-              <a:rPr lang="en-US" altLang="en-US" sz="2800" smtClean="0">
+              <a:rPr lang="en-US" altLang="en-US" sz="2800" dirty="0" smtClean="0">
                 <a:ea typeface="ＭＳ Ｐゴシック" charset="-128"/>
               </a:rPr>
               <a:t>Example 18.3: Wilcoxon Signed-Ranks </a:t>
             </a:r>
             <a:r>
-              <a:rPr lang="en-US" altLang="en-US" sz="2800" i="1" smtClean="0">
+              <a:rPr lang="en-US" altLang="en-US" sz="2800" i="1" dirty="0" smtClean="0">
                 <a:ea typeface="ＭＳ Ｐゴシック" charset="-128"/>
               </a:rPr>
               <a:t>T </a:t>
             </a:r>
             <a:r>
-              <a:rPr lang="en-US" altLang="en-US" sz="2800" smtClean="0">
+              <a:rPr lang="en-US" altLang="en-US" sz="2800" dirty="0" smtClean="0">
                 <a:ea typeface="ＭＳ Ｐゴシック" charset="-128"/>
               </a:rPr>
               <a:t>Test (cont.) </a:t>
@@ -14856,14 +15097,14 @@
         <p:spPr bwMode="auto">
           <a:noFill/>
           <a:extLst>
-            <a:ext uri="{909E8E84-426E-40DD-AFC4-6F175D3DCCD1}">
+            <a:ext uri="{909E8E84-426E-40dd-AFC4-6F175D3DCCD1}">
               <a14:hiddenFill xmlns:a14="http://schemas.microsoft.com/office/drawing/2010/main">
                 <a:solidFill>
                   <a:srgbClr val="FFFFFF"/>
                 </a:solidFill>
               </a14:hiddenFill>
             </a:ext>
-            <a:ext uri="{91240B29-F687-4F45-9708-019B960494DF}">
+            <a:ext uri="{91240B29-F687-4f45-9708-019B960494DF}">
               <a14:hiddenLine xmlns:a14="http://schemas.microsoft.com/office/drawing/2010/main" w="9525">
                 <a:solidFill>
                   <a:srgbClr val="000000"/>
@@ -15003,6 +15244,60 @@
           </a:p>
         </p:txBody>
       </p:sp>
+      <p:sp>
+        <p:nvSpPr>
+          <p:cNvPr id="2" name="TextBox 1"/>
+          <p:cNvSpPr txBox="1"/>
+          <p:nvPr/>
+        </p:nvSpPr>
+        <p:spPr>
+          <a:xfrm>
+            <a:off x="1447800" y="6019800"/>
+            <a:ext cx="3429000" cy="646331"/>
+          </a:xfrm>
+          <a:prstGeom prst="rect">
+            <a:avLst/>
+          </a:prstGeom>
+          <a:noFill/>
+        </p:spPr>
+        <p:txBody>
+          <a:bodyPr wrap="square" rtlCol="0">
+            <a:spAutoFit/>
+          </a:bodyPr>
+          <a:lstStyle/>
+          <a:p>
+            <a:r>
+              <a:rPr lang="en-US" dirty="0" smtClean="0"/>
+              <a:t>See</a:t>
+            </a:r>
+            <a:r>
+              <a:rPr lang="zh-CN" altLang="en-US" dirty="0" smtClean="0"/>
+              <a:t> </a:t>
+            </a:r>
+            <a:r>
+              <a:rPr lang="en-US" altLang="zh-CN" dirty="0" smtClean="0"/>
+              <a:t>“Table </a:t>
+            </a:r>
+            <a:r>
+              <a:rPr lang="en-US" altLang="zh-CN" dirty="0"/>
+              <a:t>of critical values for the Wilcoxon </a:t>
+            </a:r>
+            <a:r>
+              <a:rPr lang="en-US" altLang="zh-CN" dirty="0" smtClean="0"/>
+              <a:t>test-.</a:t>
+            </a:r>
+            <a:r>
+              <a:rPr lang="en-US" altLang="zh-CN" dirty="0" err="1" smtClean="0"/>
+              <a:t>pdf</a:t>
+            </a:r>
+            <a:r>
+              <a:rPr lang="en-US" altLang="zh-CN" dirty="0" smtClean="0"/>
+              <a:t>”</a:t>
+            </a:r>
+            <a:endParaRPr lang="en-US" dirty="0"/>
+          </a:p>
+        </p:txBody>
+      </p:sp>
     </p:spTree>
   </p:cSld>
   <p:clrMapOvr>
@@ -15011,7 +15306,7 @@
   <p:timing>
     <p:tnLst>
       <p:par>
-        <p:cTn id="1" dur="indefinite" restart="never" nodeType="tmRoot"/>
+        <p:cTn xmlns:p14="http://schemas.microsoft.com/office/powerpoint/2010/main" id="1" dur="indefinite" restart="never" nodeType="tmRoot"/>
       </p:par>
     </p:tnLst>
   </p:timing>
@@ -15267,14 +15562,14 @@
         <p:spPr bwMode="auto">
           <a:noFill/>
           <a:extLst>
-            <a:ext uri="{909E8E84-426E-40DD-AFC4-6F175D3DCCD1}">
+            <a:ext uri="{909E8E84-426E-40dd-AFC4-6F175D3DCCD1}">
               <a14:hiddenFill xmlns:a14="http://schemas.microsoft.com/office/drawing/2010/main">
                 <a:solidFill>
                   <a:srgbClr val="FFFFFF"/>
                 </a:solidFill>
               </a14:hiddenFill>
             </a:ext>
-            <a:ext uri="{91240B29-F687-4F45-9708-019B960494DF}">
+            <a:ext uri="{91240B29-F687-4f45-9708-019B960494DF}">
               <a14:hiddenLine xmlns:a14="http://schemas.microsoft.com/office/drawing/2010/main" w="9525">
                 <a:solidFill>
                   <a:srgbClr val="000000"/>
@@ -15436,7 +15731,7 @@
           <a:graphicData uri="http://schemas.openxmlformats.org/presentationml/2006/ole">
             <mc:AlternateContent xmlns:mc="http://schemas.openxmlformats.org/markup-compatibility/2006">
               <mc:Choice xmlns:v="urn:schemas-microsoft-com:vml" Requires="v">
-                <p:oleObj spid="_x0000_s4122" name="Equation" r:id="rId4" imgW="711200" imgH="355600" progId="Equation.DSMT4">
+                <p:oleObj spid="_x0000_s4297" name="Equation" r:id="rId4" imgW="711200" imgH="355600" progId="Equation.DSMT4">
                   <p:embed/>
                 </p:oleObj>
               </mc:Choice>
@@ -15493,7 +15788,7 @@
           <a:graphicData uri="http://schemas.openxmlformats.org/presentationml/2006/ole">
             <mc:AlternateContent xmlns:mc="http://schemas.openxmlformats.org/markup-compatibility/2006">
               <mc:Choice xmlns:v="urn:schemas-microsoft-com:vml" Requires="v">
-                <p:oleObj spid="_x0000_s4123" name="Equation" r:id="rId6" imgW="1143000" imgH="393700" progId="Equation.DSMT4">
+                <p:oleObj spid="_x0000_s4298" name="Equation" r:id="rId6" imgW="1143000" imgH="393700" progId="Equation.DSMT4">
                   <p:embed/>
                 </p:oleObj>
               </mc:Choice>
@@ -15550,7 +15845,7 @@
           <a:graphicData uri="http://schemas.openxmlformats.org/presentationml/2006/ole">
             <mc:AlternateContent xmlns:mc="http://schemas.openxmlformats.org/markup-compatibility/2006">
               <mc:Choice xmlns:v="urn:schemas-microsoft-com:vml" Requires="v">
-                <p:oleObj spid="_x0000_s4124" name="Equation" r:id="rId8" imgW="584200" imgH="393700" progId="Equation.DSMT4">
+                <p:oleObj spid="_x0000_s4299" name="Equation" r:id="rId8" imgW="584200" imgH="393700" progId="Equation.DSMT4">
                   <p:embed/>
                 </p:oleObj>
               </mc:Choice>
@@ -15593,7 +15888,7 @@
   <p:timing>
     <p:tnLst>
       <p:par>
-        <p:cTn id="1" dur="indefinite" restart="never" nodeType="tmRoot"/>
+        <p:cTn xmlns:p14="http://schemas.microsoft.com/office/powerpoint/2010/main" id="1" dur="indefinite" restart="never" nodeType="tmRoot"/>
       </p:par>
     </p:tnLst>
   </p:timing>
@@ -15795,14 +16090,14 @@
         <p:spPr bwMode="auto">
           <a:noFill/>
           <a:extLst>
-            <a:ext uri="{909E8E84-426E-40DD-AFC4-6F175D3DCCD1}">
+            <a:ext uri="{909E8E84-426E-40dd-AFC4-6F175D3DCCD1}">
               <a14:hiddenFill xmlns:a14="http://schemas.microsoft.com/office/drawing/2010/main">
                 <a:solidFill>
                   <a:srgbClr val="FFFFFF"/>
                 </a:solidFill>
               </a14:hiddenFill>
             </a:ext>
-            <a:ext uri="{91240B29-F687-4F45-9708-019B960494DF}">
+            <a:ext uri="{91240B29-F687-4f45-9708-019B960494DF}">
               <a14:hiddenLine xmlns:a14="http://schemas.microsoft.com/office/drawing/2010/main" w="9525">
                 <a:solidFill>
                   <a:srgbClr val="000000"/>
@@ -15950,7 +16245,7 @@
   <p:timing>
     <p:tnLst>
       <p:par>
-        <p:cTn id="1" dur="indefinite" restart="never" nodeType="tmRoot"/>
+        <p:cTn xmlns:p14="http://schemas.microsoft.com/office/powerpoint/2010/main" id="1" dur="indefinite" restart="never" nodeType="tmRoot"/>
       </p:par>
     </p:tnLst>
   </p:timing>
@@ -16083,14 +16378,14 @@
         <p:spPr bwMode="auto">
           <a:noFill/>
           <a:extLst>
-            <a:ext uri="{909E8E84-426E-40DD-AFC4-6F175D3DCCD1}">
+            <a:ext uri="{909E8E84-426E-40dd-AFC4-6F175D3DCCD1}">
               <a14:hiddenFill xmlns:a14="http://schemas.microsoft.com/office/drawing/2010/main">
                 <a:solidFill>
                   <a:srgbClr val="FFFFFF"/>
                 </a:solidFill>
               </a14:hiddenFill>
             </a:ext>
-            <a:ext uri="{91240B29-F687-4F45-9708-019B960494DF}">
+            <a:ext uri="{91240B29-F687-4f45-9708-019B960494DF}">
               <a14:hiddenLine xmlns:a14="http://schemas.microsoft.com/office/drawing/2010/main" w="9525">
                 <a:solidFill>
                   <a:srgbClr val="000000"/>
@@ -16264,14 +16559,14 @@
             <a:noFill/>
           </a:ln>
           <a:extLst>
-            <a:ext uri="{909E8E84-426E-40DD-AFC4-6F175D3DCCD1}">
+            <a:ext uri="{909E8E84-426E-40dd-AFC4-6F175D3DCCD1}">
               <a14:hiddenFill xmlns:a14="http://schemas.microsoft.com/office/drawing/2010/main">
                 <a:solidFill>
                   <a:schemeClr val="accent1"/>
                 </a:solidFill>
               </a14:hiddenFill>
             </a:ext>
-            <a:ext uri="{91240B29-F687-4F45-9708-019B960494DF}">
+            <a:ext uri="{91240B29-F687-4f45-9708-019B960494DF}">
               <a14:hiddenLine xmlns:a14="http://schemas.microsoft.com/office/drawing/2010/main" w="9525">
                 <a:solidFill>
                   <a:schemeClr val="tx1"/>
@@ -16292,7 +16587,7 @@
   <p:timing>
     <p:tnLst>
       <p:par>
-        <p:cTn id="1" dur="indefinite" restart="never" nodeType="tmRoot"/>
+        <p:cTn xmlns:p14="http://schemas.microsoft.com/office/powerpoint/2010/main" id="1" dur="indefinite" restart="never" nodeType="tmRoot"/>
       </p:par>
     </p:tnLst>
   </p:timing>
@@ -16478,14 +16773,14 @@
         <p:spPr bwMode="auto">
           <a:noFill/>
           <a:extLst>
-            <a:ext uri="{909E8E84-426E-40DD-AFC4-6F175D3DCCD1}">
+            <a:ext uri="{909E8E84-426E-40dd-AFC4-6F175D3DCCD1}">
               <a14:hiddenFill xmlns:a14="http://schemas.microsoft.com/office/drawing/2010/main">
                 <a:solidFill>
                   <a:srgbClr val="FFFFFF"/>
                 </a:solidFill>
               </a14:hiddenFill>
             </a:ext>
-            <a:ext uri="{91240B29-F687-4F45-9708-019B960494DF}">
+            <a:ext uri="{91240B29-F687-4f45-9708-019B960494DF}">
               <a14:hiddenLine xmlns:a14="http://schemas.microsoft.com/office/drawing/2010/main" w="9525">
                 <a:solidFill>
                   <a:srgbClr val="000000"/>
@@ -16633,7 +16928,7 @@
   <p:timing>
     <p:tnLst>
       <p:par>
-        <p:cTn id="1" dur="indefinite" restart="never" nodeType="tmRoot"/>
+        <p:cTn xmlns:p14="http://schemas.microsoft.com/office/powerpoint/2010/main" id="1" dur="indefinite" restart="never" nodeType="tmRoot"/>
       </p:par>
     </p:tnLst>
   </p:timing>
@@ -16760,14 +17055,14 @@
             <a:noFill/>
           </a:ln>
           <a:extLst>
-            <a:ext uri="{909E8E84-426E-40DD-AFC4-6F175D3DCCD1}">
+            <a:ext uri="{909E8E84-426E-40dd-AFC4-6F175D3DCCD1}">
               <a14:hiddenFill xmlns:a14="http://schemas.microsoft.com/office/drawing/2010/main">
                 <a:solidFill>
                   <a:srgbClr val="FFFFFF"/>
                 </a:solidFill>
               </a14:hiddenFill>
             </a:ext>
-            <a:ext uri="{91240B29-F687-4F45-9708-019B960494DF}">
+            <a:ext uri="{91240B29-F687-4f45-9708-019B960494DF}">
               <a14:hiddenLine xmlns:a14="http://schemas.microsoft.com/office/drawing/2010/main" w="9525">
                 <a:solidFill>
                   <a:srgbClr val="000000"/>
@@ -16915,14 +17210,14 @@
         <p:spPr bwMode="auto">
           <a:noFill/>
           <a:extLst>
-            <a:ext uri="{909E8E84-426E-40DD-AFC4-6F175D3DCCD1}">
+            <a:ext uri="{909E8E84-426E-40dd-AFC4-6F175D3DCCD1}">
               <a14:hiddenFill xmlns:a14="http://schemas.microsoft.com/office/drawing/2010/main">
                 <a:solidFill>
                   <a:srgbClr val="FFFFFF"/>
                 </a:solidFill>
               </a14:hiddenFill>
             </a:ext>
-            <a:ext uri="{91240B29-F687-4F45-9708-019B960494DF}">
+            <a:ext uri="{91240B29-F687-4f45-9708-019B960494DF}">
               <a14:hiddenLine xmlns:a14="http://schemas.microsoft.com/office/drawing/2010/main" w="9525">
                 <a:solidFill>
                   <a:srgbClr val="000000"/>
@@ -17130,7 +17425,7 @@
   <p:timing>
     <p:tnLst>
       <p:par>
-        <p:cTn id="1" dur="indefinite" restart="never" nodeType="tmRoot"/>
+        <p:cTn xmlns:p14="http://schemas.microsoft.com/office/powerpoint/2010/main" id="1" dur="indefinite" restart="never" nodeType="tmRoot"/>
       </p:par>
     </p:tnLst>
   </p:timing>
@@ -17171,19 +17466,19 @@
           <a:p>
             <a:pPr eaLnBrk="1" hangingPunct="1"/>
             <a:r>
-              <a:rPr lang="en-US" altLang="en-US" sz="2800" smtClean="0">
+              <a:rPr lang="en-US" altLang="en-US" sz="2800" dirty="0" smtClean="0">
                 <a:ea typeface="ＭＳ Ｐゴシック" charset="-128"/>
               </a:rPr>
               <a:t>Example 18.4: The Mann-Whitney </a:t>
             </a:r>
             <a:r>
-              <a:rPr lang="en-US" altLang="en-US" sz="2800" i="1" smtClean="0">
+              <a:rPr lang="en-US" altLang="en-US" sz="2800" i="1" dirty="0" smtClean="0">
                 <a:ea typeface="ＭＳ Ｐゴシック" charset="-128"/>
               </a:rPr>
               <a:t>U</a:t>
             </a:r>
             <a:r>
-              <a:rPr lang="en-US" altLang="en-US" sz="2800" smtClean="0">
+              <a:rPr lang="en-US" altLang="en-US" sz="2800" dirty="0" smtClean="0">
                 <a:ea typeface="ＭＳ Ｐゴシック" charset="-128"/>
               </a:rPr>
               <a:t> Test (cont.)</a:t>
@@ -17296,14 +17591,14 @@
             <a:noFill/>
           </a:ln>
           <a:extLst>
-            <a:ext uri="{909E8E84-426E-40DD-AFC4-6F175D3DCCD1}">
+            <a:ext uri="{909E8E84-426E-40dd-AFC4-6F175D3DCCD1}">
               <a14:hiddenFill xmlns:a14="http://schemas.microsoft.com/office/drawing/2010/main">
                 <a:solidFill>
                   <a:srgbClr val="FFFFFF"/>
                 </a:solidFill>
               </a14:hiddenFill>
             </a:ext>
-            <a:ext uri="{91240B29-F687-4F45-9708-019B960494DF}">
+            <a:ext uri="{91240B29-F687-4f45-9708-019B960494DF}">
               <a14:hiddenLine xmlns:a14="http://schemas.microsoft.com/office/drawing/2010/main" w="9525">
                 <a:solidFill>
                   <a:srgbClr val="000000"/>
@@ -17532,14 +17827,14 @@
         <p:spPr bwMode="auto">
           <a:noFill/>
           <a:extLst>
-            <a:ext uri="{909E8E84-426E-40DD-AFC4-6F175D3DCCD1}">
+            <a:ext uri="{909E8E84-426E-40dd-AFC4-6F175D3DCCD1}">
               <a14:hiddenFill xmlns:a14="http://schemas.microsoft.com/office/drawing/2010/main">
                 <a:solidFill>
                   <a:srgbClr val="FFFFFF"/>
                 </a:solidFill>
               </a14:hiddenFill>
             </a:ext>
-            <a:ext uri="{91240B29-F687-4F45-9708-019B960494DF}">
+            <a:ext uri="{91240B29-F687-4f45-9708-019B960494DF}">
               <a14:hiddenLine xmlns:a14="http://schemas.microsoft.com/office/drawing/2010/main" w="9525">
                 <a:solidFill>
                   <a:srgbClr val="000000"/>
@@ -17679,6 +17974,56 @@
           </a:p>
         </p:txBody>
       </p:sp>
+      <p:sp>
+        <p:nvSpPr>
+          <p:cNvPr id="2" name="TextBox 1"/>
+          <p:cNvSpPr txBox="1"/>
+          <p:nvPr/>
+        </p:nvSpPr>
+        <p:spPr>
+          <a:xfrm>
+            <a:off x="1143000" y="5943600"/>
+            <a:ext cx="4572000" cy="646331"/>
+          </a:xfrm>
+          <a:prstGeom prst="rect">
+            <a:avLst/>
+          </a:prstGeom>
+          <a:noFill/>
+        </p:spPr>
+        <p:txBody>
+          <a:bodyPr wrap="square" rtlCol="0">
+            <a:spAutoFit/>
+          </a:bodyPr>
+          <a:lstStyle/>
+          <a:p>
+            <a:r>
+              <a:rPr lang="en-US" dirty="0" smtClean="0"/>
+              <a:t>See</a:t>
+            </a:r>
+            <a:r>
+              <a:rPr lang="en-US" dirty="0"/>
+              <a:t> </a:t>
+            </a:r>
+            <a:r>
+              <a:rPr lang="en-US" dirty="0" smtClean="0"/>
+              <a:t>“Mann</a:t>
+            </a:r>
+            <a:r>
+              <a:rPr lang="en-US" dirty="0"/>
+              <a:t>-Whitney U Test critical </a:t>
+            </a:r>
+            <a:r>
+              <a:rPr lang="en-US" dirty="0" err="1" smtClean="0"/>
+              <a:t>values.pdf</a:t>
+            </a:r>
+            <a:r>
+              <a:rPr lang="en-US" dirty="0" smtClean="0"/>
+              <a:t>”</a:t>
+            </a:r>
+            <a:endParaRPr lang="en-US" dirty="0"/>
+          </a:p>
+        </p:txBody>
+      </p:sp>
     </p:spTree>
   </p:cSld>
   <p:clrMapOvr>
@@ -17687,7 +18032,7 @@
   <p:timing>
     <p:tnLst>
       <p:par>
-        <p:cTn id="1" dur="indefinite" restart="never" nodeType="tmRoot"/>
+        <p:cTn xmlns:p14="http://schemas.microsoft.com/office/powerpoint/2010/main" id="1" dur="indefinite" restart="never" nodeType="tmRoot"/>
       </p:par>
     </p:tnLst>
   </p:timing>
@@ -17931,14 +18276,14 @@
         <p:spPr bwMode="auto">
           <a:noFill/>
           <a:extLst>
-            <a:ext uri="{909E8E84-426E-40DD-AFC4-6F175D3DCCD1}">
+            <a:ext uri="{909E8E84-426E-40dd-AFC4-6F175D3DCCD1}">
               <a14:hiddenFill xmlns:a14="http://schemas.microsoft.com/office/drawing/2010/main">
                 <a:solidFill>
                   <a:srgbClr val="FFFFFF"/>
                 </a:solidFill>
               </a14:hiddenFill>
             </a:ext>
-            <a:ext uri="{91240B29-F687-4F45-9708-019B960494DF}">
+            <a:ext uri="{91240B29-F687-4f45-9708-019B960494DF}">
               <a14:hiddenLine xmlns:a14="http://schemas.microsoft.com/office/drawing/2010/main" w="9525">
                 <a:solidFill>
                   <a:srgbClr val="000000"/>
@@ -18099,14 +18444,14 @@
             <a:noFill/>
           </a:ln>
           <a:extLst>
-            <a:ext uri="{909E8E84-426E-40DD-AFC4-6F175D3DCCD1}">
+            <a:ext uri="{909E8E84-426E-40dd-AFC4-6F175D3DCCD1}">
               <a14:hiddenFill xmlns:a14="http://schemas.microsoft.com/office/drawing/2010/main">
                 <a:solidFill>
                   <a:srgbClr val="FFFFFF"/>
                 </a:solidFill>
               </a14:hiddenFill>
             </a:ext>
-            <a:ext uri="{91240B29-F687-4F45-9708-019B960494DF}">
+            <a:ext uri="{91240B29-F687-4f45-9708-019B960494DF}">
               <a14:hiddenLine xmlns:a14="http://schemas.microsoft.com/office/drawing/2010/main" w="9525">
                 <a:solidFill>
                   <a:srgbClr val="000000"/>
@@ -18256,14 +18601,14 @@
             <a:noFill/>
           </a:ln>
           <a:extLst>
-            <a:ext uri="{909E8E84-426E-40DD-AFC4-6F175D3DCCD1}">
+            <a:ext uri="{909E8E84-426E-40dd-AFC4-6F175D3DCCD1}">
               <a14:hiddenFill xmlns:a14="http://schemas.microsoft.com/office/drawing/2010/main">
                 <a:solidFill>
                   <a:srgbClr val="FFFFFF"/>
                 </a:solidFill>
               </a14:hiddenFill>
             </a:ext>
-            <a:ext uri="{91240B29-F687-4F45-9708-019B960494DF}">
+            <a:ext uri="{91240B29-F687-4f45-9708-019B960494DF}">
               <a14:hiddenLine xmlns:a14="http://schemas.microsoft.com/office/drawing/2010/main" w="9525">
                 <a:solidFill>
                   <a:srgbClr val="000000"/>
@@ -18449,7 +18794,7 @@
           <a:graphicData uri="http://schemas.openxmlformats.org/presentationml/2006/ole">
             <mc:AlternateContent xmlns:mc="http://schemas.openxmlformats.org/markup-compatibility/2006">
               <mc:Choice xmlns:v="urn:schemas-microsoft-com:vml" Requires="v">
-                <p:oleObj spid="_x0000_s5159" name="Equation" r:id="rId4" imgW="584200" imgH="355600" progId="Equation.DSMT4">
+                <p:oleObj spid="_x0000_s5450" name="Equation" r:id="rId4" imgW="584200" imgH="355600" progId="Equation.DSMT4">
                   <p:embed/>
                 </p:oleObj>
               </mc:Choice>
@@ -18506,7 +18851,7 @@
           <a:graphicData uri="http://schemas.openxmlformats.org/presentationml/2006/ole">
             <mc:AlternateContent xmlns:mc="http://schemas.openxmlformats.org/markup-compatibility/2006">
               <mc:Choice xmlns:v="urn:schemas-microsoft-com:vml" Requires="v">
-                <p:oleObj spid="_x0000_s5160" name="Equation" r:id="rId6" imgW="1295400" imgH="393700" progId="Equation.DSMT4">
+                <p:oleObj spid="_x0000_s5451" name="Equation" r:id="rId6" imgW="1295400" imgH="393700" progId="Equation.DSMT4">
                   <p:embed/>
                 </p:oleObj>
               </mc:Choice>
@@ -18563,7 +18908,7 @@
           <a:graphicData uri="http://schemas.openxmlformats.org/presentationml/2006/ole">
             <mc:AlternateContent xmlns:mc="http://schemas.openxmlformats.org/markup-compatibility/2006">
               <mc:Choice xmlns:v="urn:schemas-microsoft-com:vml" Requires="v">
-                <p:oleObj spid="_x0000_s5161" name="Equation" r:id="rId8" imgW="1600200" imgH="355600" progId="Equation.DSMT4">
+                <p:oleObj spid="_x0000_s5452" name="Equation" r:id="rId8" imgW="1600200" imgH="355600" progId="Equation.DSMT4">
                   <p:embed/>
                 </p:oleObj>
               </mc:Choice>
@@ -18620,7 +18965,7 @@
           <a:graphicData uri="http://schemas.openxmlformats.org/presentationml/2006/ole">
             <mc:AlternateContent xmlns:mc="http://schemas.openxmlformats.org/markup-compatibility/2006">
               <mc:Choice xmlns:v="urn:schemas-microsoft-com:vml" Requires="v">
-                <p:oleObj spid="_x0000_s5162" name="Equation" r:id="rId10" imgW="1600200" imgH="355600" progId="Equation.DSMT4">
+                <p:oleObj spid="_x0000_s5453" name="Equation" r:id="rId10" imgW="1600200" imgH="355600" progId="Equation.DSMT4">
                   <p:embed/>
                 </p:oleObj>
               </mc:Choice>
@@ -18677,7 +19022,7 @@
           <a:graphicData uri="http://schemas.openxmlformats.org/presentationml/2006/ole">
             <mc:AlternateContent xmlns:mc="http://schemas.openxmlformats.org/markup-compatibility/2006">
               <mc:Choice xmlns:v="urn:schemas-microsoft-com:vml" Requires="v">
-                <p:oleObj spid="_x0000_s5163" name="Equation" r:id="rId12" imgW="609600" imgH="393700" progId="Equation.DSMT4">
+                <p:oleObj spid="_x0000_s5454" name="Equation" r:id="rId12" imgW="609600" imgH="393700" progId="Equation.DSMT4">
                   <p:embed/>
                 </p:oleObj>
               </mc:Choice>
@@ -18720,7 +19065,7 @@
   <p:timing>
     <p:tnLst>
       <p:par>
-        <p:cTn id="1" dur="indefinite" restart="never" nodeType="tmRoot"/>
+        <p:cTn xmlns:p14="http://schemas.microsoft.com/office/powerpoint/2010/main" id="1" dur="indefinite" restart="never" nodeType="tmRoot"/>
       </p:par>
     </p:tnLst>
   </p:timing>
@@ -18977,14 +19322,14 @@
         <p:spPr bwMode="auto">
           <a:noFill/>
           <a:extLst>
-            <a:ext uri="{909E8E84-426E-40DD-AFC4-6F175D3DCCD1}">
+            <a:ext uri="{909E8E84-426E-40dd-AFC4-6F175D3DCCD1}">
               <a14:hiddenFill xmlns:a14="http://schemas.microsoft.com/office/drawing/2010/main">
                 <a:solidFill>
                   <a:srgbClr val="FFFFFF"/>
                 </a:solidFill>
               </a14:hiddenFill>
             </a:ext>
-            <a:ext uri="{91240B29-F687-4F45-9708-019B960494DF}">
+            <a:ext uri="{91240B29-F687-4f45-9708-019B960494DF}">
               <a14:hiddenLine xmlns:a14="http://schemas.microsoft.com/office/drawing/2010/main" w="9525">
                 <a:solidFill>
                   <a:srgbClr val="000000"/>
@@ -19132,7 +19477,7 @@
   <p:timing>
     <p:tnLst>
       <p:par>
-        <p:cTn id="1" dur="indefinite" restart="never" nodeType="tmRoot"/>
+        <p:cTn xmlns:p14="http://schemas.microsoft.com/office/powerpoint/2010/main" id="1" dur="indefinite" restart="never" nodeType="tmRoot"/>
       </p:par>
     </p:tnLst>
   </p:timing>
@@ -19274,14 +19619,14 @@
         <p:spPr bwMode="auto">
           <a:noFill/>
           <a:extLst>
-            <a:ext uri="{909E8E84-426E-40DD-AFC4-6F175D3DCCD1}">
+            <a:ext uri="{909E8E84-426E-40dd-AFC4-6F175D3DCCD1}">
               <a14:hiddenFill xmlns:a14="http://schemas.microsoft.com/office/drawing/2010/main">
                 <a:solidFill>
                   <a:srgbClr val="FFFFFF"/>
                 </a:solidFill>
               </a14:hiddenFill>
             </a:ext>
-            <a:ext uri="{91240B29-F687-4F45-9708-019B960494DF}">
+            <a:ext uri="{91240B29-F687-4f45-9708-019B960494DF}">
               <a14:hiddenLine xmlns:a14="http://schemas.microsoft.com/office/drawing/2010/main" w="9525">
                 <a:solidFill>
                   <a:srgbClr val="000000"/>
@@ -19455,14 +19800,14 @@
             <a:noFill/>
           </a:ln>
           <a:extLst>
-            <a:ext uri="{909E8E84-426E-40DD-AFC4-6F175D3DCCD1}">
+            <a:ext uri="{909E8E84-426E-40dd-AFC4-6F175D3DCCD1}">
               <a14:hiddenFill xmlns:a14="http://schemas.microsoft.com/office/drawing/2010/main">
                 <a:solidFill>
                   <a:schemeClr val="accent1"/>
                 </a:solidFill>
               </a14:hiddenFill>
             </a:ext>
-            <a:ext uri="{91240B29-F687-4F45-9708-019B960494DF}">
+            <a:ext uri="{91240B29-F687-4f45-9708-019B960494DF}">
               <a14:hiddenLine xmlns:a14="http://schemas.microsoft.com/office/drawing/2010/main" w="9525">
                 <a:solidFill>
                   <a:schemeClr val="tx1"/>
@@ -19483,7 +19828,7 @@
   <p:timing>
     <p:tnLst>
       <p:par>
-        <p:cTn id="1" dur="indefinite" restart="never" nodeType="tmRoot"/>
+        <p:cTn xmlns:p14="http://schemas.microsoft.com/office/powerpoint/2010/main" id="1" dur="indefinite" restart="never" nodeType="tmRoot"/>
       </p:par>
     </p:tnLst>
   </p:timing>
@@ -19597,14 +19942,14 @@
             <a:noFill/>
           </a:ln>
           <a:extLst>
-            <a:ext uri="{909E8E84-426E-40DD-AFC4-6F175D3DCCD1}">
+            <a:ext uri="{909E8E84-426E-40dd-AFC4-6F175D3DCCD1}">
               <a14:hiddenFill xmlns:a14="http://schemas.microsoft.com/office/drawing/2010/main">
                 <a:solidFill>
                   <a:srgbClr val="FFFFFF"/>
                 </a:solidFill>
               </a14:hiddenFill>
             </a:ext>
-            <a:ext uri="{91240B29-F687-4F45-9708-019B960494DF}">
+            <a:ext uri="{91240B29-F687-4f45-9708-019B960494DF}">
               <a14:hiddenLine xmlns:a14="http://schemas.microsoft.com/office/drawing/2010/main" w="9525">
                 <a:solidFill>
                   <a:srgbClr val="000000"/>
@@ -19756,14 +20101,14 @@
         <p:spPr bwMode="auto">
           <a:noFill/>
           <a:extLst>
-            <a:ext uri="{909E8E84-426E-40DD-AFC4-6F175D3DCCD1}">
+            <a:ext uri="{909E8E84-426E-40dd-AFC4-6F175D3DCCD1}">
               <a14:hiddenFill xmlns:a14="http://schemas.microsoft.com/office/drawing/2010/main">
                 <a:solidFill>
                   <a:srgbClr val="FFFFFF"/>
                 </a:solidFill>
               </a14:hiddenFill>
             </a:ext>
-            <a:ext uri="{91240B29-F687-4F45-9708-019B960494DF}">
+            <a:ext uri="{91240B29-F687-4f45-9708-019B960494DF}">
               <a14:hiddenLine xmlns:a14="http://schemas.microsoft.com/office/drawing/2010/main" w="9525">
                 <a:solidFill>
                   <a:srgbClr val="000000"/>
@@ -19921,14 +20266,14 @@
           </a:prstGeom>
           <a:noFill/>
           <a:extLst>
-            <a:ext uri="{909E8E84-426E-40DD-AFC4-6F175D3DCCD1}">
+            <a:ext uri="{909E8E84-426E-40dd-AFC4-6F175D3DCCD1}">
               <a14:hiddenFill xmlns:a14="http://schemas.microsoft.com/office/drawing/2010/main">
                 <a:solidFill>
                   <a:srgbClr val="FFFFFF"/>
                 </a:solidFill>
               </a14:hiddenFill>
             </a:ext>
-            <a:ext uri="{91240B29-F687-4F45-9708-019B960494DF}">
+            <a:ext uri="{91240B29-F687-4f45-9708-019B960494DF}">
               <a14:hiddenLine xmlns:a14="http://schemas.microsoft.com/office/drawing/2010/main" w="9525">
                 <a:solidFill>
                   <a:srgbClr val="000000"/>
@@ -20151,7 +20496,7 @@
   <p:timing>
     <p:tnLst>
       <p:par>
-        <p:cTn id="1" dur="indefinite" restart="never" nodeType="tmRoot"/>
+        <p:cTn xmlns:p14="http://schemas.microsoft.com/office/powerpoint/2010/main" id="1" dur="indefinite" restart="never" nodeType="tmRoot"/>
       </p:par>
     </p:tnLst>
   </p:timing>
@@ -20197,19 +20542,31 @@
           <a:p>
             <a:pPr eaLnBrk="1" hangingPunct="1"/>
             <a:r>
-              <a:rPr lang="en-US" altLang="en-US" sz="2800" smtClean="0">
+              <a:rPr lang="en-US" altLang="en-US" sz="2800" dirty="0" smtClean="0">
                 <a:ea typeface="ＭＳ Ｐゴシック" charset="-128"/>
               </a:rPr>
-              <a:t>Example 18.5: The Kruskal-Wallis </a:t>
-            </a:r>
-            <a:r>
-              <a:rPr lang="en-US" altLang="en-US" sz="2800" i="1" smtClean="0">
+              <a:t>Example 18.5: The </a:t>
+            </a:r>
+            <a:r>
+              <a:rPr lang="en-US" altLang="en-US" sz="2800" dirty="0" err="1" smtClean="0">
+                <a:ea typeface="ＭＳ Ｐゴシック" charset="-128"/>
+              </a:rPr>
+              <a:t>Kruskal</a:t>
+            </a:r>
+            <a:r>
+              <a:rPr lang="en-US" altLang="en-US" sz="2800" dirty="0" smtClean="0">
+                <a:ea typeface="ＭＳ Ｐゴシック" charset="-128"/>
+              </a:rPr>
+              <a:t>-Wallis </a:t>
+            </a:r>
+            <a:r>
+              <a:rPr lang="en-US" altLang="en-US" sz="2800" i="1" dirty="0" smtClean="0">
                 <a:ea typeface="ＭＳ Ｐゴシック" charset="-128"/>
               </a:rPr>
               <a:t>H</a:t>
             </a:r>
             <a:r>
-              <a:rPr lang="en-US" altLang="en-US" sz="2800" smtClean="0">
+              <a:rPr lang="en-US" altLang="en-US" sz="2800" dirty="0" smtClean="0">
                 <a:ea typeface="ＭＳ Ｐゴシック" charset="-128"/>
               </a:rPr>
               <a:t> Test (cont.) </a:t>
@@ -20336,7 +20693,7 @@
           <a:graphicData uri="http://schemas.openxmlformats.org/presentationml/2006/ole">
             <mc:AlternateContent xmlns:mc="http://schemas.openxmlformats.org/markup-compatibility/2006">
               <mc:Choice xmlns:v="urn:schemas-microsoft-com:vml" Requires="v">
-                <p:oleObj spid="_x0000_s1065" name="Equation" r:id="rId4" imgW="2095500" imgH="444500" progId="Equation.3">
+                <p:oleObj spid="_x0000_s1356" name="Equation" r:id="rId4" imgW="2095500" imgH="444500" progId="Equation.3">
                   <p:embed/>
                 </p:oleObj>
               </mc:Choice>
@@ -20378,14 +20735,14 @@
                       </a:ln>
                       <a:effectLst/>
                       <a:extLst>
-                        <a:ext uri="{909E8E84-426E-40DD-AFC4-6F175D3DCCD1}">
+                        <a:ext uri="{909E8E84-426E-40dd-AFC4-6F175D3DCCD1}">
                           <a14:hiddenFill xmlns:a14="http://schemas.microsoft.com/office/drawing/2010/main">
                             <a:solidFill>
                               <a:schemeClr val="accent1"/>
                             </a:solidFill>
                           </a14:hiddenFill>
                         </a:ext>
-                        <a:ext uri="{91240B29-F687-4F45-9708-019B960494DF}">
+                        <a:ext uri="{91240B29-F687-4f45-9708-019B960494DF}">
                           <a14:hiddenLine xmlns:a14="http://schemas.microsoft.com/office/drawing/2010/main" w="9525">
                             <a:solidFill>
                               <a:schemeClr val="tx1"/>
@@ -20395,7 +20752,7 @@
                             <a:tailEnd/>
                           </a14:hiddenLine>
                         </a:ext>
-                        <a:ext uri="{AF507438-7753-43E0-B8FC-AC1667EBCBE1}">
+                        <a:ext uri="{AF507438-7753-43e0-B8FC-AC1667EBCBE1}">
                           <a14:hiddenEffects xmlns:a14="http://schemas.microsoft.com/office/drawing/2010/main">
                             <a:effectLst>
                               <a:outerShdw dist="35921" dir="2700000" algn="ctr" rotWithShape="0">
@@ -20437,7 +20794,7 @@
           <a:graphicData uri="http://schemas.openxmlformats.org/presentationml/2006/ole">
             <mc:AlternateContent xmlns:mc="http://schemas.openxmlformats.org/markup-compatibility/2006">
               <mc:Choice xmlns:v="urn:schemas-microsoft-com:vml" Requires="v">
-                <p:oleObj spid="_x0000_s1066" name="Equation" r:id="rId6" imgW="3009900" imgH="444500" progId="Equation.3">
+                <p:oleObj spid="_x0000_s1357" name="Equation" r:id="rId6" imgW="3009900" imgH="444500" progId="Equation.3">
                   <p:embed/>
                 </p:oleObj>
               </mc:Choice>
@@ -20479,14 +20836,14 @@
                       </a:ln>
                       <a:effectLst/>
                       <a:extLst>
-                        <a:ext uri="{909E8E84-426E-40DD-AFC4-6F175D3DCCD1}">
+                        <a:ext uri="{909E8E84-426E-40dd-AFC4-6F175D3DCCD1}">
                           <a14:hiddenFill xmlns:a14="http://schemas.microsoft.com/office/drawing/2010/main">
                             <a:solidFill>
                               <a:schemeClr val="accent1"/>
                             </a:solidFill>
                           </a14:hiddenFill>
                         </a:ext>
-                        <a:ext uri="{91240B29-F687-4F45-9708-019B960494DF}">
+                        <a:ext uri="{91240B29-F687-4f45-9708-019B960494DF}">
                           <a14:hiddenLine xmlns:a14="http://schemas.microsoft.com/office/drawing/2010/main" w="9525">
                             <a:solidFill>
                               <a:schemeClr val="tx1"/>
@@ -20496,7 +20853,7 @@
                             <a:tailEnd/>
                           </a14:hiddenLine>
                         </a:ext>
-                        <a:ext uri="{AF507438-7753-43E0-B8FC-AC1667EBCBE1}">
+                        <a:ext uri="{AF507438-7753-43e0-B8FC-AC1667EBCBE1}">
                           <a14:hiddenEffects xmlns:a14="http://schemas.microsoft.com/office/drawing/2010/main">
                             <a:effectLst>
                               <a:outerShdw dist="35921" dir="2700000" algn="ctr" rotWithShape="0">
@@ -20537,14 +20894,14 @@
             <a:noFill/>
           </a:ln>
           <a:extLst>
-            <a:ext uri="{909E8E84-426E-40DD-AFC4-6F175D3DCCD1}">
+            <a:ext uri="{909E8E84-426E-40dd-AFC4-6F175D3DCCD1}">
               <a14:hiddenFill xmlns:a14="http://schemas.microsoft.com/office/drawing/2010/main">
                 <a:solidFill>
                   <a:srgbClr val="FFFFFF"/>
                 </a:solidFill>
               </a14:hiddenFill>
             </a:ext>
-            <a:ext uri="{91240B29-F687-4F45-9708-019B960494DF}">
+            <a:ext uri="{91240B29-F687-4f45-9708-019B960494DF}">
               <a14:hiddenLine xmlns:a14="http://schemas.microsoft.com/office/drawing/2010/main" w="9525">
                 <a:solidFill>
                   <a:srgbClr val="000000"/>
@@ -20781,14 +21138,14 @@
         <p:spPr bwMode="auto">
           <a:noFill/>
           <a:extLst>
-            <a:ext uri="{909E8E84-426E-40DD-AFC4-6F175D3DCCD1}">
+            <a:ext uri="{909E8E84-426E-40dd-AFC4-6F175D3DCCD1}">
               <a14:hiddenFill xmlns:a14="http://schemas.microsoft.com/office/drawing/2010/main">
                 <a:solidFill>
                   <a:srgbClr val="FFFFFF"/>
                 </a:solidFill>
               </a14:hiddenFill>
             </a:ext>
-            <a:ext uri="{91240B29-F687-4F45-9708-019B960494DF}">
+            <a:ext uri="{91240B29-F687-4f45-9708-019B960494DF}">
               <a14:hiddenLine xmlns:a14="http://schemas.microsoft.com/office/drawing/2010/main" w="9525">
                 <a:solidFill>
                   <a:srgbClr val="000000"/>
@@ -20950,7 +21307,7 @@
           <a:graphicData uri="http://schemas.openxmlformats.org/presentationml/2006/ole">
             <mc:AlternateContent xmlns:mc="http://schemas.openxmlformats.org/markup-compatibility/2006">
               <mc:Choice xmlns:v="urn:schemas-microsoft-com:vml" Requires="v">
-                <p:oleObj spid="_x0000_s1067" name="Equation" r:id="rId8" imgW="1587500" imgH="190500" progId="Equation.DSMT4">
+                <p:oleObj spid="_x0000_s1358" name="Equation" r:id="rId8" imgW="1587500" imgH="190500" progId="Equation.DSMT4">
                   <p:embed/>
                 </p:oleObj>
               </mc:Choice>
@@ -21007,7 +21364,7 @@
           <a:graphicData uri="http://schemas.openxmlformats.org/presentationml/2006/ole">
             <mc:AlternateContent xmlns:mc="http://schemas.openxmlformats.org/markup-compatibility/2006">
               <mc:Choice xmlns:v="urn:schemas-microsoft-com:vml" Requires="v">
-                <p:oleObj spid="_x0000_s1068" name="Equation" r:id="rId10" imgW="660400" imgH="152400" progId="Equation.DSMT4">
+                <p:oleObj spid="_x0000_s1359" name="Equation" r:id="rId10" imgW="660400" imgH="152400" progId="Equation.DSMT4">
                   <p:embed/>
                 </p:oleObj>
               </mc:Choice>
@@ -21064,7 +21421,7 @@
           <a:graphicData uri="http://schemas.openxmlformats.org/presentationml/2006/ole">
             <mc:AlternateContent xmlns:mc="http://schemas.openxmlformats.org/markup-compatibility/2006">
               <mc:Choice xmlns:v="urn:schemas-microsoft-com:vml" Requires="v">
-                <p:oleObj spid="_x0000_s1069" name="Equation" r:id="rId12" imgW="368300" imgH="152400" progId="Equation.DSMT4">
+                <p:oleObj spid="_x0000_s1360" name="Equation" r:id="rId12" imgW="368300" imgH="152400" progId="Equation.DSMT4">
                   <p:embed/>
                 </p:oleObj>
               </mc:Choice>
@@ -21099,6 +21456,44 @@
           </a:graphicData>
         </a:graphic>
       </p:graphicFrame>
+      <p:sp>
+        <p:nvSpPr>
+          <p:cNvPr id="5" name="TextBox 4"/>
+          <p:cNvSpPr txBox="1"/>
+          <p:nvPr/>
+        </p:nvSpPr>
+        <p:spPr>
+          <a:xfrm>
+            <a:off x="5486400" y="4572000"/>
+            <a:ext cx="3048000" cy="923330"/>
+          </a:xfrm>
+          <a:prstGeom prst="rect">
+            <a:avLst/>
+          </a:prstGeom>
+          <a:noFill/>
+        </p:spPr>
+        <p:txBody>
+          <a:bodyPr wrap="square" rtlCol="0">
+            <a:spAutoFit/>
+          </a:bodyPr>
+          <a:lstStyle/>
+          <a:p>
+            <a:r>
+              <a:rPr lang="en-US" dirty="0" smtClean="0"/>
+              <a:t>See</a:t>
+            </a:r>
+            <a:r>
+              <a:rPr lang="en-US" dirty="0"/>
+              <a:t> “KW-expanded-tables-3groups.pdf</a:t>
+            </a:r>
+            <a:r>
+              <a:rPr lang="en-US" dirty="0" smtClean="0"/>
+              <a:t>” for critical values</a:t>
+            </a:r>
+            <a:endParaRPr lang="en-US" dirty="0"/>
+          </a:p>
+        </p:txBody>
+      </p:sp>
     </p:spTree>
   </p:cSld>
   <p:clrMapOvr>
@@ -21107,7 +21502,7 @@
   <p:timing>
     <p:tnLst>
       <p:par>
-        <p:cTn id="1" dur="indefinite" restart="never" nodeType="tmRoot"/>
+        <p:cTn xmlns:p14="http://schemas.microsoft.com/office/powerpoint/2010/main" id="1" dur="indefinite" restart="never" nodeType="tmRoot"/>
       </p:par>
     </p:tnLst>
   </p:timing>
@@ -21255,14 +21650,14 @@
         <p:spPr bwMode="auto">
           <a:noFill/>
           <a:extLst>
-            <a:ext uri="{909E8E84-426E-40DD-AFC4-6F175D3DCCD1}">
+            <a:ext uri="{909E8E84-426E-40dd-AFC4-6F175D3DCCD1}">
               <a14:hiddenFill xmlns:a14="http://schemas.microsoft.com/office/drawing/2010/main">
                 <a:solidFill>
                   <a:srgbClr val="FFFFFF"/>
                 </a:solidFill>
               </a14:hiddenFill>
             </a:ext>
-            <a:ext uri="{91240B29-F687-4F45-9708-019B960494DF}">
+            <a:ext uri="{91240B29-F687-4f45-9708-019B960494DF}">
               <a14:hiddenLine xmlns:a14="http://schemas.microsoft.com/office/drawing/2010/main" w="9525">
                 <a:solidFill>
                   <a:srgbClr val="000000"/>
@@ -21410,7 +21805,7 @@
   <p:timing>
     <p:tnLst>
       <p:par>
-        <p:cTn id="1" dur="indefinite" restart="never" nodeType="tmRoot"/>
+        <p:cTn xmlns:p14="http://schemas.microsoft.com/office/powerpoint/2010/main" id="1" dur="indefinite" restart="never" nodeType="tmRoot"/>
       </p:par>
     </p:tnLst>
   </p:timing>
@@ -21548,14 +21943,14 @@
         <p:spPr bwMode="auto">
           <a:noFill/>
           <a:extLst>
-            <a:ext uri="{909E8E84-426E-40DD-AFC4-6F175D3DCCD1}">
+            <a:ext uri="{909E8E84-426E-40dd-AFC4-6F175D3DCCD1}">
               <a14:hiddenFill xmlns:a14="http://schemas.microsoft.com/office/drawing/2010/main">
                 <a:solidFill>
                   <a:srgbClr val="FFFFFF"/>
                 </a:solidFill>
               </a14:hiddenFill>
             </a:ext>
-            <a:ext uri="{91240B29-F687-4F45-9708-019B960494DF}">
+            <a:ext uri="{91240B29-F687-4f45-9708-019B960494DF}">
               <a14:hiddenLine xmlns:a14="http://schemas.microsoft.com/office/drawing/2010/main" w="9525">
                 <a:solidFill>
                   <a:srgbClr val="000000"/>
@@ -21717,7 +22112,7 @@
           <a:graphicData uri="http://schemas.openxmlformats.org/presentationml/2006/ole">
             <mc:AlternateContent xmlns:mc="http://schemas.openxmlformats.org/markup-compatibility/2006">
               <mc:Choice xmlns:v="urn:schemas-microsoft-com:vml" Requires="v">
-                <p:oleObj spid="_x0000_s7176" name="Equation" r:id="rId4" imgW="177800" imgH="228600" progId="Equation.DSMT4">
+                <p:oleObj spid="_x0000_s7235" name="Equation" r:id="rId4" imgW="177800" imgH="228600" progId="Equation.DSMT4">
                   <p:embed/>
                 </p:oleObj>
               </mc:Choice>
@@ -21760,7 +22155,7 @@
   <p:timing>
     <p:tnLst>
       <p:par>
-        <p:cTn id="1" dur="indefinite" restart="never" nodeType="tmRoot"/>
+        <p:cTn xmlns:p14="http://schemas.microsoft.com/office/powerpoint/2010/main" id="1" dur="indefinite" restart="never" nodeType="tmRoot"/>
       </p:par>
     </p:tnLst>
   </p:timing>
@@ -21849,14 +22244,14 @@
         <p:spPr bwMode="auto">
           <a:noFill/>
           <a:extLst>
-            <a:ext uri="{909E8E84-426E-40DD-AFC4-6F175D3DCCD1}">
+            <a:ext uri="{909E8E84-426E-40dd-AFC4-6F175D3DCCD1}">
               <a14:hiddenFill xmlns:a14="http://schemas.microsoft.com/office/drawing/2010/main">
                 <a:solidFill>
                   <a:srgbClr val="FFFFFF"/>
                 </a:solidFill>
               </a14:hiddenFill>
             </a:ext>
-            <a:ext uri="{91240B29-F687-4F45-9708-019B960494DF}">
+            <a:ext uri="{91240B29-F687-4f45-9708-019B960494DF}">
               <a14:hiddenLine xmlns:a14="http://schemas.microsoft.com/office/drawing/2010/main" w="9525">
                 <a:solidFill>
                   <a:srgbClr val="000000"/>
@@ -22004,7 +22399,7 @@
   <p:timing>
     <p:tnLst>
       <p:par>
-        <p:cTn id="1" dur="indefinite" restart="never" nodeType="tmRoot"/>
+        <p:cTn xmlns:p14="http://schemas.microsoft.com/office/powerpoint/2010/main" id="1" dur="indefinite" restart="never" nodeType="tmRoot"/>
       </p:par>
     </p:tnLst>
   </p:timing>
@@ -22179,14 +22574,14 @@
         <p:spPr bwMode="auto">
           <a:noFill/>
           <a:extLst>
-            <a:ext uri="{909E8E84-426E-40DD-AFC4-6F175D3DCCD1}">
+            <a:ext uri="{909E8E84-426E-40dd-AFC4-6F175D3DCCD1}">
               <a14:hiddenFill xmlns:a14="http://schemas.microsoft.com/office/drawing/2010/main">
                 <a:solidFill>
                   <a:srgbClr val="FFFFFF"/>
                 </a:solidFill>
               </a14:hiddenFill>
             </a:ext>
-            <a:ext uri="{91240B29-F687-4F45-9708-019B960494DF}">
+            <a:ext uri="{91240B29-F687-4f45-9708-019B960494DF}">
               <a14:hiddenLine xmlns:a14="http://schemas.microsoft.com/office/drawing/2010/main" w="9525">
                 <a:solidFill>
                   <a:srgbClr val="000000"/>
@@ -32087,7 +32482,7 @@
               <a:noFill/>
             </a:ln>
             <a:extLst>
-              <a:ext uri="{91240B29-F687-4F45-9708-019B960494DF}">
+              <a:ext uri="{91240B29-F687-4f45-9708-019B960494DF}">
                 <a14:hiddenLine xmlns:a14="http://schemas.microsoft.com/office/drawing/2010/main" w="9525">
                   <a:solidFill>
                     <a:srgbClr val="000000"/>
@@ -34202,7 +34597,7 @@
               <a:noFill/>
             </a:ln>
             <a:extLst>
-              <a:ext uri="{91240B29-F687-4F45-9708-019B960494DF}">
+              <a:ext uri="{91240B29-F687-4f45-9708-019B960494DF}">
                 <a14:hiddenLine xmlns:a14="http://schemas.microsoft.com/office/drawing/2010/main" w="9525">
                   <a:solidFill>
                     <a:srgbClr val="000000"/>
@@ -35612,7 +36007,7 @@
   <p:timing>
     <p:tnLst>
       <p:par>
-        <p:cTn id="1" dur="indefinite" restart="never" nodeType="tmRoot"/>
+        <p:cTn xmlns:p14="http://schemas.microsoft.com/office/powerpoint/2010/main" id="1" dur="indefinite" restart="never" nodeType="tmRoot"/>
       </p:par>
     </p:tnLst>
   </p:timing>
@@ -35711,14 +36106,14 @@
         <p:spPr bwMode="auto">
           <a:noFill/>
           <a:extLst>
-            <a:ext uri="{909E8E84-426E-40DD-AFC4-6F175D3DCCD1}">
+            <a:ext uri="{909E8E84-426E-40dd-AFC4-6F175D3DCCD1}">
               <a14:hiddenFill xmlns:a14="http://schemas.microsoft.com/office/drawing/2010/main">
                 <a:solidFill>
                   <a:srgbClr val="FFFFFF"/>
                 </a:solidFill>
               </a14:hiddenFill>
             </a:ext>
-            <a:ext uri="{91240B29-F687-4F45-9708-019B960494DF}">
+            <a:ext uri="{91240B29-F687-4f45-9708-019B960494DF}">
               <a14:hiddenLine xmlns:a14="http://schemas.microsoft.com/office/drawing/2010/main" w="9525">
                 <a:solidFill>
                   <a:srgbClr val="000000"/>
@@ -35896,7 +36291,7 @@
   <p:timing>
     <p:tnLst>
       <p:par>
-        <p:cTn id="1" dur="indefinite" restart="never" nodeType="tmRoot"/>
+        <p:cTn xmlns:p14="http://schemas.microsoft.com/office/powerpoint/2010/main" id="1" dur="indefinite" restart="never" nodeType="tmRoot"/>
       </p:par>
     </p:tnLst>
   </p:timing>
@@ -35937,7 +36332,7 @@
           <a:p>
             <a:pPr eaLnBrk="1" hangingPunct="1"/>
             <a:r>
-              <a:rPr lang="en-US" altLang="en-US" sz="2800" smtClean="0">
+              <a:rPr lang="en-US" altLang="en-US" sz="2800" dirty="0" smtClean="0">
                 <a:ea typeface="ＭＳ Ｐゴシック" charset="-128"/>
               </a:rPr>
               <a:t>Example 18.6: The Friedman Test  (cont.)</a:t>
@@ -36019,14 +36414,14 @@
             <a:noFill/>
           </a:ln>
           <a:extLst>
-            <a:ext uri="{909E8E84-426E-40DD-AFC4-6F175D3DCCD1}">
+            <a:ext uri="{909E8E84-426E-40dd-AFC4-6F175D3DCCD1}">
               <a14:hiddenFill xmlns:a14="http://schemas.microsoft.com/office/drawing/2010/main">
                 <a:solidFill>
                   <a:srgbClr val="FFFFFF"/>
                 </a:solidFill>
               </a14:hiddenFill>
             </a:ext>
-            <a:ext uri="{91240B29-F687-4F45-9708-019B960494DF}">
+            <a:ext uri="{91240B29-F687-4f45-9708-019B960494DF}">
               <a14:hiddenLine xmlns:a14="http://schemas.microsoft.com/office/drawing/2010/main" w="9525">
                 <a:solidFill>
                   <a:srgbClr val="000000"/>
@@ -36373,7 +36768,7 @@
           <a:graphicData uri="http://schemas.openxmlformats.org/presentationml/2006/ole">
             <mc:AlternateContent xmlns:mc="http://schemas.openxmlformats.org/markup-compatibility/2006">
               <mc:Choice xmlns:v="urn:schemas-microsoft-com:vml" Requires="v">
-                <p:oleObj spid="_x0000_s2101" name="Equation" r:id="rId4" imgW="1930400" imgH="393700" progId="Equation.3">
+                <p:oleObj spid="_x0000_s2392" name="Equation" r:id="rId4" imgW="1930400" imgH="393700" progId="Equation.3">
                   <p:embed/>
                 </p:oleObj>
               </mc:Choice>
@@ -36415,14 +36810,14 @@
                       </a:ln>
                       <a:effectLst/>
                       <a:extLst>
-                        <a:ext uri="{909E8E84-426E-40DD-AFC4-6F175D3DCCD1}">
+                        <a:ext uri="{909E8E84-426E-40dd-AFC4-6F175D3DCCD1}">
                           <a14:hiddenFill xmlns:a14="http://schemas.microsoft.com/office/drawing/2010/main">
                             <a:solidFill>
                               <a:schemeClr val="accent1"/>
                             </a:solidFill>
                           </a14:hiddenFill>
                         </a:ext>
-                        <a:ext uri="{91240B29-F687-4F45-9708-019B960494DF}">
+                        <a:ext uri="{91240B29-F687-4f45-9708-019B960494DF}">
                           <a14:hiddenLine xmlns:a14="http://schemas.microsoft.com/office/drawing/2010/main" w="9525">
                             <a:solidFill>
                               <a:schemeClr val="tx1"/>
@@ -36432,7 +36827,7 @@
                             <a:tailEnd/>
                           </a14:hiddenLine>
                         </a:ext>
-                        <a:ext uri="{AF507438-7753-43E0-B8FC-AC1667EBCBE1}">
+                        <a:ext uri="{AF507438-7753-43e0-B8FC-AC1667EBCBE1}">
                           <a14:hiddenEffects xmlns:a14="http://schemas.microsoft.com/office/drawing/2010/main">
                             <a:effectLst>
                               <a:outerShdw dist="35921" dir="2700000" algn="ctr" rotWithShape="0">
@@ -36468,7 +36863,7 @@
           <a:graphicData uri="http://schemas.openxmlformats.org/presentationml/2006/ole">
             <mc:AlternateContent xmlns:mc="http://schemas.openxmlformats.org/markup-compatibility/2006">
               <mc:Choice xmlns:v="urn:schemas-microsoft-com:vml" Requires="v">
-                <p:oleObj spid="_x0000_s2102" name="Equation" r:id="rId6" imgW="3098800" imgH="393700" progId="Equation.3">
+                <p:oleObj spid="_x0000_s2393" name="Equation" r:id="rId6" imgW="3098800" imgH="393700" progId="Equation.3">
                   <p:embed/>
                 </p:oleObj>
               </mc:Choice>
@@ -36510,14 +36905,14 @@
                       </a:ln>
                       <a:effectLst/>
                       <a:extLst>
-                        <a:ext uri="{909E8E84-426E-40DD-AFC4-6F175D3DCCD1}">
+                        <a:ext uri="{909E8E84-426E-40dd-AFC4-6F175D3DCCD1}">
                           <a14:hiddenFill xmlns:a14="http://schemas.microsoft.com/office/drawing/2010/main">
                             <a:solidFill>
                               <a:schemeClr val="accent1"/>
                             </a:solidFill>
                           </a14:hiddenFill>
                         </a:ext>
-                        <a:ext uri="{91240B29-F687-4F45-9708-019B960494DF}">
+                        <a:ext uri="{91240B29-F687-4f45-9708-019B960494DF}">
                           <a14:hiddenLine xmlns:a14="http://schemas.microsoft.com/office/drawing/2010/main" w="9525">
                             <a:solidFill>
                               <a:schemeClr val="tx1"/>
@@ -36527,7 +36922,7 @@
                             <a:tailEnd/>
                           </a14:hiddenLine>
                         </a:ext>
-                        <a:ext uri="{AF507438-7753-43E0-B8FC-AC1667EBCBE1}">
+                        <a:ext uri="{AF507438-7753-43e0-B8FC-AC1667EBCBE1}">
                           <a14:hiddenEffects xmlns:a14="http://schemas.microsoft.com/office/drawing/2010/main">
                             <a:effectLst>
                               <a:outerShdw dist="35921" dir="2700000" algn="ctr" rotWithShape="0">
@@ -36560,14 +36955,14 @@
         <p:spPr bwMode="auto">
           <a:noFill/>
           <a:extLst>
-            <a:ext uri="{909E8E84-426E-40DD-AFC4-6F175D3DCCD1}">
+            <a:ext uri="{909E8E84-426E-40dd-AFC4-6F175D3DCCD1}">
               <a14:hiddenFill xmlns:a14="http://schemas.microsoft.com/office/drawing/2010/main">
                 <a:solidFill>
                   <a:srgbClr val="FFFFFF"/>
                 </a:solidFill>
               </a14:hiddenFill>
             </a:ext>
-            <a:ext uri="{91240B29-F687-4F45-9708-019B960494DF}">
+            <a:ext uri="{91240B29-F687-4f45-9708-019B960494DF}">
               <a14:hiddenLine xmlns:a14="http://schemas.microsoft.com/office/drawing/2010/main" w="9525">
                 <a:solidFill>
                   <a:srgbClr val="000000"/>
@@ -36729,7 +37124,7 @@
           <a:graphicData uri="http://schemas.openxmlformats.org/presentationml/2006/ole">
             <mc:AlternateContent xmlns:mc="http://schemas.openxmlformats.org/markup-compatibility/2006">
               <mc:Choice xmlns:v="urn:schemas-microsoft-com:vml" Requires="v">
-                <p:oleObj spid="_x0000_s2103" name="Equation" r:id="rId8" imgW="1397000" imgH="355600" progId="Equation.DSMT4">
+                <p:oleObj spid="_x0000_s2394" name="Equation" r:id="rId8" imgW="1397000" imgH="355600" progId="Equation.DSMT4">
                   <p:embed/>
                 </p:oleObj>
               </mc:Choice>
@@ -36786,7 +37181,7 @@
           <a:graphicData uri="http://schemas.openxmlformats.org/presentationml/2006/ole">
             <mc:AlternateContent xmlns:mc="http://schemas.openxmlformats.org/markup-compatibility/2006">
               <mc:Choice xmlns:v="urn:schemas-microsoft-com:vml" Requires="v">
-                <p:oleObj spid="_x0000_s2104" name="Equation" r:id="rId10" imgW="1435100" imgH="190500" progId="Equation.DSMT4">
+                <p:oleObj spid="_x0000_s2395" name="Equation" r:id="rId10" imgW="1435100" imgH="190500" progId="Equation.DSMT4">
                   <p:embed/>
                 </p:oleObj>
               </mc:Choice>
@@ -36843,7 +37238,7 @@
           <a:graphicData uri="http://schemas.openxmlformats.org/presentationml/2006/ole">
             <mc:AlternateContent xmlns:mc="http://schemas.openxmlformats.org/markup-compatibility/2006">
               <mc:Choice xmlns:v="urn:schemas-microsoft-com:vml" Requires="v">
-                <p:oleObj spid="_x0000_s2105" name="Equation" r:id="rId12" imgW="444500" imgH="139700" progId="Equation.DSMT4">
+                <p:oleObj spid="_x0000_s2396" name="Equation" r:id="rId12" imgW="444500" imgH="139700" progId="Equation.DSMT4">
                   <p:embed/>
                 </p:oleObj>
               </mc:Choice>
@@ -36878,6 +37273,48 @@
           </a:graphicData>
         </a:graphic>
       </p:graphicFrame>
+      <p:sp>
+        <p:nvSpPr>
+          <p:cNvPr id="5" name="TextBox 4"/>
+          <p:cNvSpPr txBox="1"/>
+          <p:nvPr/>
+        </p:nvSpPr>
+        <p:spPr>
+          <a:xfrm>
+            <a:off x="1143000" y="5867400"/>
+            <a:ext cx="4114800" cy="646331"/>
+          </a:xfrm>
+          <a:prstGeom prst="rect">
+            <a:avLst/>
+          </a:prstGeom>
+          <a:noFill/>
+        </p:spPr>
+        <p:txBody>
+          <a:bodyPr wrap="square" rtlCol="0">
+            <a:spAutoFit/>
+          </a:bodyPr>
+          <a:lstStyle/>
+          <a:p>
+            <a:r>
+              <a:rPr lang="en-US" dirty="0" smtClean="0"/>
+              <a:t>See</a:t>
+            </a:r>
+            <a:r>
+              <a:rPr lang="en-US" dirty="0"/>
+              <a:t> “Upper Critical Values for the Friedman </a:t>
+            </a:r>
+            <a:r>
+              <a:rPr lang="en-US" dirty="0" err="1"/>
+              <a:t>Test.pdf</a:t>
+            </a:r>
+            <a:r>
+              <a:rPr lang="en-US" dirty="0"/>
+              <a:t>”</a:t>
+            </a:r>
+            <a:endParaRPr lang="en-US" dirty="0"/>
+          </a:p>
+        </p:txBody>
+      </p:sp>
     </p:spTree>
   </p:cSld>
   <p:clrMapOvr>
@@ -36886,7 +37323,7 @@
   <p:timing>
     <p:tnLst>
       <p:par>
-        <p:cTn id="1" dur="indefinite" restart="never" nodeType="tmRoot"/>
+        <p:cTn xmlns:p14="http://schemas.microsoft.com/office/powerpoint/2010/main" id="1" dur="indefinite" restart="never" nodeType="tmRoot"/>
       </p:par>
     </p:tnLst>
   </p:timing>
@@ -36997,14 +37434,14 @@
         <p:spPr bwMode="auto">
           <a:noFill/>
           <a:extLst>
-            <a:ext uri="{909E8E84-426E-40DD-AFC4-6F175D3DCCD1}">
+            <a:ext uri="{909E8E84-426E-40dd-AFC4-6F175D3DCCD1}">
               <a14:hiddenFill xmlns:a14="http://schemas.microsoft.com/office/drawing/2010/main">
                 <a:solidFill>
                   <a:srgbClr val="FFFFFF"/>
                 </a:solidFill>
               </a14:hiddenFill>
             </a:ext>
-            <a:ext uri="{91240B29-F687-4F45-9708-019B960494DF}">
+            <a:ext uri="{91240B29-F687-4f45-9708-019B960494DF}">
               <a14:hiddenLine xmlns:a14="http://schemas.microsoft.com/office/drawing/2010/main" w="9525">
                 <a:solidFill>
                   <a:srgbClr val="000000"/>
@@ -37166,7 +37603,7 @@
           <a:graphicData uri="http://schemas.openxmlformats.org/presentationml/2006/ole">
             <mc:AlternateContent xmlns:mc="http://schemas.openxmlformats.org/markup-compatibility/2006">
               <mc:Choice xmlns:v="urn:schemas-microsoft-com:vml" Requires="v">
-                <p:oleObj spid="_x0000_s6160" name="Equation" r:id="rId4" imgW="177800" imgH="228600" progId="Equation.DSMT4">
+                <p:oleObj spid="_x0000_s6277" name="Equation" r:id="rId4" imgW="177800" imgH="228600" progId="Equation.DSMT4">
                   <p:embed/>
                 </p:oleObj>
               </mc:Choice>
@@ -37223,7 +37660,7 @@
           <a:graphicData uri="http://schemas.openxmlformats.org/presentationml/2006/ole">
             <mc:AlternateContent xmlns:mc="http://schemas.openxmlformats.org/markup-compatibility/2006">
               <mc:Choice xmlns:v="urn:schemas-microsoft-com:vml" Requires="v">
-                <p:oleObj spid="_x0000_s6161" name="Equation" r:id="rId6" imgW="177800" imgH="228600" progId="Equation.DSMT4">
+                <p:oleObj spid="_x0000_s6278" name="Equation" r:id="rId6" imgW="177800" imgH="228600" progId="Equation.DSMT4">
                   <p:embed/>
                 </p:oleObj>
               </mc:Choice>
@@ -37266,7 +37703,7 @@
   <p:timing>
     <p:tnLst>
       <p:par>
-        <p:cTn id="1" dur="indefinite" restart="never" nodeType="tmRoot"/>
+        <p:cTn xmlns:p14="http://schemas.microsoft.com/office/powerpoint/2010/main" id="1" dur="indefinite" restart="never" nodeType="tmRoot"/>
       </p:par>
     </p:tnLst>
   </p:timing>
@@ -37450,14 +37887,14 @@
         <p:spPr bwMode="auto">
           <a:noFill/>
           <a:extLst>
-            <a:ext uri="{909E8E84-426E-40DD-AFC4-6F175D3DCCD1}">
+            <a:ext uri="{909E8E84-426E-40dd-AFC4-6F175D3DCCD1}">
               <a14:hiddenFill xmlns:a14="http://schemas.microsoft.com/office/drawing/2010/main">
                 <a:solidFill>
                   <a:srgbClr val="FFFFFF"/>
                 </a:solidFill>
               </a14:hiddenFill>
             </a:ext>
-            <a:ext uri="{91240B29-F687-4F45-9708-019B960494DF}">
+            <a:ext uri="{91240B29-F687-4f45-9708-019B960494DF}">
               <a14:hiddenLine xmlns:a14="http://schemas.microsoft.com/office/drawing/2010/main" w="9525">
                 <a:solidFill>
                   <a:srgbClr val="000000"/>
@@ -37605,7 +38042,354 @@
   <p:timing>
     <p:tnLst>
       <p:par>
-        <p:cTn id="1" dur="indefinite" restart="never" nodeType="tmRoot"/>
+        <p:cTn xmlns:p14="http://schemas.microsoft.com/office/powerpoint/2010/main" id="1" dur="indefinite" restart="never" nodeType="tmRoot"/>
+      </p:par>
+    </p:tnLst>
+  </p:timing>
+</p:sld>
+</file>
+
+<file path=ppt/slides/slide34.xml><?xml version="1.0" encoding="utf-8"?>
+<p:sld xmlns:a="http://schemas.openxmlformats.org/drawingml/2006/main" xmlns:r="http://schemas.openxmlformats.org/officeDocument/2006/relationships" xmlns:p="http://schemas.openxmlformats.org/presentationml/2006/main">
+  <p:cSld>
+    <p:spTree>
+      <p:nvGrpSpPr>
+        <p:cNvPr id="1" name=""/>
+        <p:cNvGrpSpPr/>
+        <p:nvPr/>
+      </p:nvGrpSpPr>
+      <p:grpSpPr>
+        <a:xfrm>
+          <a:off x="0" y="0"/>
+          <a:ext cx="0" cy="0"/>
+          <a:chOff x="0" y="0"/>
+          <a:chExt cx="0" cy="0"/>
+        </a:xfrm>
+      </p:grpSpPr>
+      <p:sp>
+        <p:nvSpPr>
+          <p:cNvPr id="40962" name="Title 1"/>
+          <p:cNvSpPr>
+            <a:spLocks noGrp="1"/>
+          </p:cNvSpPr>
+          <p:nvPr>
+            <p:ph type="title"/>
+          </p:nvPr>
+        </p:nvSpPr>
+        <p:spPr>
+          <a:xfrm>
+            <a:off x="457200" y="1066800"/>
+            <a:ext cx="8229600" cy="838200"/>
+          </a:xfrm>
+        </p:spPr>
+        <p:txBody>
+          <a:bodyPr/>
+          <a:lstStyle/>
+          <a:p>
+            <a:pPr eaLnBrk="1" hangingPunct="1"/>
+            <a:r>
+              <a:rPr lang="en-US" altLang="en-US" smtClean="0">
+                <a:ea typeface="ＭＳ Ｐゴシック" charset="-128"/>
+              </a:rPr>
+              <a:t>APA in Focus: Reporting the Nonparametric Tests</a:t>
+            </a:r>
+          </a:p>
+        </p:txBody>
+      </p:sp>
+      <p:sp>
+        <p:nvSpPr>
+          <p:cNvPr id="40963" name="Content Placeholder 2"/>
+          <p:cNvSpPr>
+            <a:spLocks noGrp="1"/>
+          </p:cNvSpPr>
+          <p:nvPr>
+            <p:ph idx="1"/>
+          </p:nvPr>
+        </p:nvSpPr>
+        <p:spPr>
+          <a:xfrm>
+            <a:off x="457200" y="2209800"/>
+            <a:ext cx="8229600" cy="3962400"/>
+          </a:xfrm>
+        </p:spPr>
+        <p:txBody>
+          <a:bodyPr/>
+          <a:lstStyle/>
+          <a:p>
+            <a:pPr eaLnBrk="1" hangingPunct="1"/>
+            <a:r>
+              <a:rPr lang="en-US" altLang="en-US" sz="2200" dirty="0"/>
+              <a:t>3.9. User preference </a:t>
+            </a:r>
+            <a:endParaRPr lang="en-US" altLang="en-US" sz="2200" dirty="0" smtClean="0"/>
+          </a:p>
+          <a:p>
+            <a:pPr eaLnBrk="1" hangingPunct="1"/>
+            <a:r>
+              <a:rPr lang="en-US" altLang="en-US" sz="2200" dirty="0" smtClean="0"/>
+              <a:t>“At </a:t>
+            </a:r>
+            <a:r>
+              <a:rPr lang="en-US" altLang="en-US" sz="2200" dirty="0"/>
+              <a:t>the end of the experiment, we asked participants to report their opinions on the various texting approaches. </a:t>
+            </a:r>
+            <a:r>
+              <a:rPr lang="en-US" altLang="en-US" sz="2200" b="1" u="sng" dirty="0"/>
+              <a:t>Binomial sign tests</a:t>
+            </a:r>
+            <a:r>
+              <a:rPr lang="en-US" altLang="en-US" sz="2200" dirty="0"/>
+              <a:t> were used to compare participants’ preferences. Eighteen participants considered manual texting to be the most distracting, while seven considered speech-based texting with the smartphone to be more distracting</a:t>
+            </a:r>
+            <a:r>
+              <a:rPr lang="en-US" altLang="en-US" sz="2200" b="1" i="1" u="sng" dirty="0"/>
+              <a:t>, p &gt; 0.250</a:t>
+            </a:r>
+            <a:r>
+              <a:rPr lang="en-US" altLang="en-US" sz="2200" dirty="0"/>
+              <a:t>. </a:t>
+            </a:r>
+            <a:endParaRPr lang="en-US" altLang="en-US" sz="2200" dirty="0" smtClean="0"/>
+          </a:p>
+        </p:txBody>
+      </p:sp>
+      <p:sp>
+        <p:nvSpPr>
+          <p:cNvPr id="40965" name="Slide Number Placeholder 5"/>
+          <p:cNvSpPr>
+            <a:spLocks noGrp="1"/>
+          </p:cNvSpPr>
+          <p:nvPr>
+            <p:ph type="sldNum" sz="quarter" idx="12"/>
+          </p:nvPr>
+        </p:nvSpPr>
+        <p:spPr bwMode="auto">
+          <a:noFill/>
+          <a:extLst>
+            <a:ext uri="{909E8E84-426E-40dd-AFC4-6F175D3DCCD1}">
+              <a14:hiddenFill xmlns:a14="http://schemas.microsoft.com/office/drawing/2010/main">
+                <a:solidFill>
+                  <a:srgbClr val="FFFFFF"/>
+                </a:solidFill>
+              </a14:hiddenFill>
+            </a:ext>
+            <a:ext uri="{91240B29-F687-4f45-9708-019B960494DF}">
+              <a14:hiddenLine xmlns:a14="http://schemas.microsoft.com/office/drawing/2010/main" w="9525">
+                <a:solidFill>
+                  <a:srgbClr val="000000"/>
+                </a:solidFill>
+                <a:miter lim="800000"/>
+                <a:headEnd/>
+                <a:tailEnd/>
+              </a14:hiddenLine>
+            </a:ext>
+          </a:extLst>
+        </p:spPr>
+        <p:txBody>
+          <a:bodyPr/>
+          <a:lstStyle>
+            <a:lvl1pPr eaLnBrk="0" hangingPunct="0">
+              <a:defRPr>
+                <a:solidFill>
+                  <a:schemeClr val="tx1"/>
+                </a:solidFill>
+                <a:latin typeface="Arial" charset="0"/>
+                <a:ea typeface="ＭＳ Ｐゴシック" charset="-128"/>
+              </a:defRPr>
+            </a:lvl1pPr>
+            <a:lvl2pPr marL="742950" indent="-285750" eaLnBrk="0" hangingPunct="0">
+              <a:defRPr>
+                <a:solidFill>
+                  <a:schemeClr val="tx1"/>
+                </a:solidFill>
+                <a:latin typeface="Arial" charset="0"/>
+                <a:ea typeface="ＭＳ Ｐゴシック" charset="-128"/>
+              </a:defRPr>
+            </a:lvl2pPr>
+            <a:lvl3pPr marL="1143000" indent="-228600" eaLnBrk="0" hangingPunct="0">
+              <a:defRPr>
+                <a:solidFill>
+                  <a:schemeClr val="tx1"/>
+                </a:solidFill>
+                <a:latin typeface="Arial" charset="0"/>
+                <a:ea typeface="ＭＳ Ｐゴシック" charset="-128"/>
+              </a:defRPr>
+            </a:lvl3pPr>
+            <a:lvl4pPr marL="1600200" indent="-228600" eaLnBrk="0" hangingPunct="0">
+              <a:defRPr>
+                <a:solidFill>
+                  <a:schemeClr val="tx1"/>
+                </a:solidFill>
+                <a:latin typeface="Arial" charset="0"/>
+                <a:ea typeface="ＭＳ Ｐゴシック" charset="-128"/>
+              </a:defRPr>
+            </a:lvl4pPr>
+            <a:lvl5pPr marL="2057400" indent="-228600" eaLnBrk="0" hangingPunct="0">
+              <a:defRPr>
+                <a:solidFill>
+                  <a:schemeClr val="tx1"/>
+                </a:solidFill>
+                <a:latin typeface="Arial" charset="0"/>
+                <a:ea typeface="ＭＳ Ｐゴシック" charset="-128"/>
+              </a:defRPr>
+            </a:lvl5pPr>
+            <a:lvl6pPr marL="2514600" indent="-228600" eaLnBrk="0" fontAlgn="base" hangingPunct="0">
+              <a:spcBef>
+                <a:spcPct val="0"/>
+              </a:spcBef>
+              <a:spcAft>
+                <a:spcPct val="0"/>
+              </a:spcAft>
+              <a:defRPr>
+                <a:solidFill>
+                  <a:schemeClr val="tx1"/>
+                </a:solidFill>
+                <a:latin typeface="Arial" charset="0"/>
+                <a:ea typeface="ＭＳ Ｐゴシック" charset="-128"/>
+              </a:defRPr>
+            </a:lvl6pPr>
+            <a:lvl7pPr marL="2971800" indent="-228600" eaLnBrk="0" fontAlgn="base" hangingPunct="0">
+              <a:spcBef>
+                <a:spcPct val="0"/>
+              </a:spcBef>
+              <a:spcAft>
+                <a:spcPct val="0"/>
+              </a:spcAft>
+              <a:defRPr>
+                <a:solidFill>
+                  <a:schemeClr val="tx1"/>
+                </a:solidFill>
+                <a:latin typeface="Arial" charset="0"/>
+                <a:ea typeface="ＭＳ Ｐゴシック" charset="-128"/>
+              </a:defRPr>
+            </a:lvl7pPr>
+            <a:lvl8pPr marL="3429000" indent="-228600" eaLnBrk="0" fontAlgn="base" hangingPunct="0">
+              <a:spcBef>
+                <a:spcPct val="0"/>
+              </a:spcBef>
+              <a:spcAft>
+                <a:spcPct val="0"/>
+              </a:spcAft>
+              <a:defRPr>
+                <a:solidFill>
+                  <a:schemeClr val="tx1"/>
+                </a:solidFill>
+                <a:latin typeface="Arial" charset="0"/>
+                <a:ea typeface="ＭＳ Ｐゴシック" charset="-128"/>
+              </a:defRPr>
+            </a:lvl8pPr>
+            <a:lvl9pPr marL="3886200" indent="-228600" eaLnBrk="0" fontAlgn="base" hangingPunct="0">
+              <a:spcBef>
+                <a:spcPct val="0"/>
+              </a:spcBef>
+              <a:spcAft>
+                <a:spcPct val="0"/>
+              </a:spcAft>
+              <a:defRPr>
+                <a:solidFill>
+                  <a:schemeClr val="tx1"/>
+                </a:solidFill>
+                <a:latin typeface="Arial" charset="0"/>
+                <a:ea typeface="ＭＳ Ｐゴシック" charset="-128"/>
+              </a:defRPr>
+            </a:lvl9pPr>
+          </a:lstStyle>
+          <a:p>
+            <a:pPr eaLnBrk="1" hangingPunct="1"/>
+            <a:fld id="{ED15AA21-D5BB-45BC-A2E2-4B77762F2257}" type="slidenum">
+              <a:rPr lang="en-US" altLang="en-US" smtClean="0">
+                <a:solidFill>
+                  <a:srgbClr val="898989"/>
+                </a:solidFill>
+              </a:rPr>
+              <a:pPr eaLnBrk="1" hangingPunct="1"/>
+              <a:t>34</a:t>
+            </a:fld>
+            <a:endParaRPr lang="en-US" altLang="en-US" smtClean="0">
+              <a:solidFill>
+                <a:srgbClr val="898989"/>
+              </a:solidFill>
+            </a:endParaRPr>
+          </a:p>
+        </p:txBody>
+      </p:sp>
+      <p:sp>
+        <p:nvSpPr>
+          <p:cNvPr id="2" name="TextBox 1"/>
+          <p:cNvSpPr txBox="1"/>
+          <p:nvPr/>
+        </p:nvSpPr>
+        <p:spPr>
+          <a:xfrm>
+            <a:off x="762000" y="5029200"/>
+            <a:ext cx="7543800" cy="1200329"/>
+          </a:xfrm>
+          <a:prstGeom prst="rect">
+            <a:avLst/>
+          </a:prstGeom>
+          <a:noFill/>
+        </p:spPr>
+        <p:txBody>
+          <a:bodyPr wrap="square" rtlCol="0">
+            <a:spAutoFit/>
+          </a:bodyPr>
+          <a:lstStyle/>
+          <a:p>
+            <a:r>
+              <a:rPr lang="en-US" dirty="0" smtClean="0"/>
+              <a:t>References</a:t>
+            </a:r>
+            <a:r>
+              <a:rPr lang="en-US" altLang="zh-CN" dirty="0" smtClean="0"/>
+              <a:t>:</a:t>
+            </a:r>
+          </a:p>
+          <a:p>
+            <a:r>
+              <a:rPr lang="en-US" dirty="0"/>
+              <a:t>He, J., Choi, W., </a:t>
+            </a:r>
+            <a:r>
+              <a:rPr lang="en-US" dirty="0" err="1"/>
+              <a:t>McCarley</a:t>
+            </a:r>
+            <a:r>
+              <a:rPr lang="en-US" dirty="0"/>
+              <a:t>, J. S., </a:t>
+            </a:r>
+            <a:r>
+              <a:rPr lang="en-US" dirty="0" err="1"/>
+              <a:t>Chaparro</a:t>
+            </a:r>
+            <a:r>
+              <a:rPr lang="en-US" dirty="0"/>
+              <a:t>, B. S., &amp; Wang, C. (2015). Texting while driving using Google Glass™: Promising but not distraction-free. </a:t>
+            </a:r>
+            <a:r>
+              <a:rPr lang="en-US" i="1" dirty="0"/>
+              <a:t>Accident Analysis &amp; Prevention</a:t>
+            </a:r>
+            <a:r>
+              <a:rPr lang="en-US" dirty="0"/>
+              <a:t>, 81, 218-229.</a:t>
+            </a:r>
+          </a:p>
+        </p:txBody>
+      </p:sp>
+    </p:spTree>
+    <p:extLst>
+      <p:ext uri="{BB962C8B-B14F-4D97-AF65-F5344CB8AC3E}">
+        <p14:creationId xmlns:p14="http://schemas.microsoft.com/office/powerpoint/2010/main" val="2980143218"/>
+      </p:ext>
+    </p:extLst>
+  </p:cSld>
+  <p:clrMapOvr>
+    <a:masterClrMapping/>
+  </p:clrMapOvr>
+  <p:timing>
+    <p:tnLst>
+      <p:par>
+        <p:cTn xmlns:p14="http://schemas.microsoft.com/office/powerpoint/2010/main" id="1" dur="indefinite" restart="never" nodeType="tmRoot"/>
       </p:par>
     </p:tnLst>
   </p:timing>
@@ -37667,14 +38451,14 @@
         <p:spPr bwMode="auto">
           <a:noFill/>
           <a:extLst>
-            <a:ext uri="{909E8E84-426E-40DD-AFC4-6F175D3DCCD1}">
+            <a:ext uri="{909E8E84-426E-40dd-AFC4-6F175D3DCCD1}">
               <a14:hiddenFill xmlns:a14="http://schemas.microsoft.com/office/drawing/2010/main">
                 <a:solidFill>
                   <a:srgbClr val="FFFFFF"/>
                 </a:solidFill>
               </a14:hiddenFill>
             </a:ext>
-            <a:ext uri="{91240B29-F687-4F45-9708-019B960494DF}">
+            <a:ext uri="{91240B29-F687-4f45-9708-019B960494DF}">
               <a14:hiddenLine xmlns:a14="http://schemas.microsoft.com/office/drawing/2010/main" w="9525">
                 <a:solidFill>
                   <a:srgbClr val="000000"/>
@@ -37848,14 +38632,14 @@
             <a:noFill/>
           </a:ln>
           <a:extLst>
-            <a:ext uri="{909E8E84-426E-40DD-AFC4-6F175D3DCCD1}">
+            <a:ext uri="{909E8E84-426E-40dd-AFC4-6F175D3DCCD1}">
               <a14:hiddenFill xmlns:a14="http://schemas.microsoft.com/office/drawing/2010/main">
                 <a:solidFill>
                   <a:schemeClr val="accent1"/>
                 </a:solidFill>
               </a14:hiddenFill>
             </a:ext>
-            <a:ext uri="{91240B29-F687-4F45-9708-019B960494DF}">
+            <a:ext uri="{91240B29-F687-4f45-9708-019B960494DF}">
               <a14:hiddenLine xmlns:a14="http://schemas.microsoft.com/office/drawing/2010/main" w="9525">
                 <a:solidFill>
                   <a:schemeClr val="tx1"/>
@@ -37876,7 +38660,7 @@
   <p:timing>
     <p:tnLst>
       <p:par>
-        <p:cTn id="1" dur="indefinite" restart="never" nodeType="tmRoot"/>
+        <p:cTn xmlns:p14="http://schemas.microsoft.com/office/powerpoint/2010/main" id="1" dur="indefinite" restart="never" nodeType="tmRoot"/>
       </p:par>
     </p:tnLst>
   </p:timing>
@@ -38032,14 +38816,14 @@
         <p:spPr bwMode="auto">
           <a:noFill/>
           <a:extLst>
-            <a:ext uri="{909E8E84-426E-40DD-AFC4-6F175D3DCCD1}">
+            <a:ext uri="{909E8E84-426E-40dd-AFC4-6F175D3DCCD1}">
               <a14:hiddenFill xmlns:a14="http://schemas.microsoft.com/office/drawing/2010/main">
                 <a:solidFill>
                   <a:srgbClr val="FFFFFF"/>
                 </a:solidFill>
               </a14:hiddenFill>
             </a:ext>
-            <a:ext uri="{91240B29-F687-4F45-9708-019B960494DF}">
+            <a:ext uri="{91240B29-F687-4f45-9708-019B960494DF}">
               <a14:hiddenLine xmlns:a14="http://schemas.microsoft.com/office/drawing/2010/main" w="9525">
                 <a:solidFill>
                   <a:srgbClr val="000000"/>
@@ -38187,7 +38971,7 @@
   <p:timing>
     <p:tnLst>
       <p:par>
-        <p:cTn id="1" dur="indefinite" restart="never" nodeType="tmRoot"/>
+        <p:cTn xmlns:p14="http://schemas.microsoft.com/office/powerpoint/2010/main" id="1" dur="indefinite" restart="never" nodeType="tmRoot"/>
       </p:par>
     </p:tnLst>
   </p:timing>
@@ -38286,14 +39070,14 @@
         <p:spPr bwMode="auto">
           <a:noFill/>
           <a:extLst>
-            <a:ext uri="{909E8E84-426E-40DD-AFC4-6F175D3DCCD1}">
+            <a:ext uri="{909E8E84-426E-40dd-AFC4-6F175D3DCCD1}">
               <a14:hiddenFill xmlns:a14="http://schemas.microsoft.com/office/drawing/2010/main">
                 <a:solidFill>
                   <a:srgbClr val="FFFFFF"/>
                 </a:solidFill>
               </a14:hiddenFill>
             </a:ext>
-            <a:ext uri="{91240B29-F687-4F45-9708-019B960494DF}">
+            <a:ext uri="{91240B29-F687-4f45-9708-019B960494DF}">
               <a14:hiddenLine xmlns:a14="http://schemas.microsoft.com/office/drawing/2010/main" w="9525">
                 <a:solidFill>
                   <a:srgbClr val="000000"/>
@@ -38471,7 +39255,7 @@
   <p:timing>
     <p:tnLst>
       <p:par>
-        <p:cTn id="1" dur="indefinite" restart="never" nodeType="tmRoot"/>
+        <p:cTn xmlns:p14="http://schemas.microsoft.com/office/powerpoint/2010/main" id="1" dur="indefinite" restart="never" nodeType="tmRoot"/>
       </p:par>
     </p:tnLst>
   </p:timing>
@@ -38766,14 +39550,14 @@
         <p:spPr bwMode="auto">
           <a:noFill/>
           <a:extLst>
-            <a:ext uri="{909E8E84-426E-40DD-AFC4-6F175D3DCCD1}">
+            <a:ext uri="{909E8E84-426E-40dd-AFC4-6F175D3DCCD1}">
               <a14:hiddenFill xmlns:a14="http://schemas.microsoft.com/office/drawing/2010/main">
                 <a:solidFill>
                   <a:srgbClr val="FFFFFF"/>
                 </a:solidFill>
               </a14:hiddenFill>
             </a:ext>
-            <a:ext uri="{91240B29-F687-4F45-9708-019B960494DF}">
+            <a:ext uri="{91240B29-F687-4f45-9708-019B960494DF}">
               <a14:hiddenLine xmlns:a14="http://schemas.microsoft.com/office/drawing/2010/main" w="9525">
                 <a:solidFill>
                   <a:srgbClr val="000000"/>
@@ -38921,7 +39705,7 @@
   <p:timing>
     <p:tnLst>
       <p:par>
-        <p:cTn id="1" dur="indefinite" restart="never" nodeType="tmRoot"/>
+        <p:cTn xmlns:p14="http://schemas.microsoft.com/office/powerpoint/2010/main" id="1" dur="indefinite" restart="never" nodeType="tmRoot"/>
       </p:par>
     </p:tnLst>
   </p:timing>
@@ -39095,7 +39879,7 @@
           <a:graphicData uri="http://schemas.openxmlformats.org/presentationml/2006/ole">
             <mc:AlternateContent xmlns:mc="http://schemas.openxmlformats.org/markup-compatibility/2006">
               <mc:Choice xmlns:v="urn:schemas-microsoft-com:vml" Requires="v">
-                <p:oleObj spid="_x0000_s10272" name="Equation" r:id="rId4" imgW="304800" imgH="139700" progId="Equation.DSMT4">
+                <p:oleObj spid="_x0000_s10621" name="Equation" r:id="rId4" imgW="304800" imgH="139700" progId="Equation.DSMT4">
                   <p:embed/>
                 </p:oleObj>
               </mc:Choice>
@@ -39152,7 +39936,7 @@
           <a:graphicData uri="http://schemas.openxmlformats.org/presentationml/2006/ole">
             <mc:AlternateContent xmlns:mc="http://schemas.openxmlformats.org/markup-compatibility/2006">
               <mc:Choice xmlns:v="urn:schemas-microsoft-com:vml" Requires="v">
-                <p:oleObj spid="_x0000_s10273" name="Equation" r:id="rId6" imgW="304800" imgH="139700" progId="Equation.DSMT4">
+                <p:oleObj spid="_x0000_s10622" name="Equation" r:id="rId6" imgW="304800" imgH="139700" progId="Equation.DSMT4">
                   <p:embed/>
                 </p:oleObj>
               </mc:Choice>
@@ -39209,7 +39993,7 @@
           <a:graphicData uri="http://schemas.openxmlformats.org/presentationml/2006/ole">
             <mc:AlternateContent xmlns:mc="http://schemas.openxmlformats.org/markup-compatibility/2006">
               <mc:Choice xmlns:v="urn:schemas-microsoft-com:vml" Requires="v">
-                <p:oleObj spid="_x0000_s10274" name="Equation" r:id="rId8" imgW="304800" imgH="139700" progId="Equation.DSMT4">
+                <p:oleObj spid="_x0000_s10623" name="Equation" r:id="rId8" imgW="304800" imgH="139700" progId="Equation.DSMT4">
                   <p:embed/>
                 </p:oleObj>
               </mc:Choice>
@@ -39266,7 +40050,7 @@
           <a:graphicData uri="http://schemas.openxmlformats.org/presentationml/2006/ole">
             <mc:AlternateContent xmlns:mc="http://schemas.openxmlformats.org/markup-compatibility/2006">
               <mc:Choice xmlns:v="urn:schemas-microsoft-com:vml" Requires="v">
-                <p:oleObj spid="_x0000_s10275" name="Equation" r:id="rId10" imgW="292100" imgH="139700" progId="Equation.DSMT4">
+                <p:oleObj spid="_x0000_s10624" name="Equation" r:id="rId10" imgW="292100" imgH="139700" progId="Equation.DSMT4">
                   <p:embed/>
                 </p:oleObj>
               </mc:Choice>
@@ -39323,7 +40107,7 @@
           <a:graphicData uri="http://schemas.openxmlformats.org/presentationml/2006/ole">
             <mc:AlternateContent xmlns:mc="http://schemas.openxmlformats.org/markup-compatibility/2006">
               <mc:Choice xmlns:v="urn:schemas-microsoft-com:vml" Requires="v">
-                <p:oleObj spid="_x0000_s10276" name="Equation" r:id="rId12" imgW="304800" imgH="139700" progId="Equation.DSMT4">
+                <p:oleObj spid="_x0000_s10625" name="Equation" r:id="rId12" imgW="304800" imgH="139700" progId="Equation.DSMT4">
                   <p:embed/>
                 </p:oleObj>
               </mc:Choice>
@@ -39380,7 +40164,7 @@
           <a:graphicData uri="http://schemas.openxmlformats.org/presentationml/2006/ole">
             <mc:AlternateContent xmlns:mc="http://schemas.openxmlformats.org/markup-compatibility/2006">
               <mc:Choice xmlns:v="urn:schemas-microsoft-com:vml" Requires="v">
-                <p:oleObj spid="_x0000_s10277" name="Equation" r:id="rId14" imgW="1612900" imgH="177800" progId="Equation.DSMT4">
+                <p:oleObj spid="_x0000_s10626" name="Equation" r:id="rId14" imgW="1612900" imgH="177800" progId="Equation.DSMT4">
                   <p:embed/>
                 </p:oleObj>
               </mc:Choice>
@@ -39449,14 +40233,14 @@
             <a:noFill/>
           </a:ln>
           <a:extLst>
-            <a:ext uri="{909E8E84-426E-40DD-AFC4-6F175D3DCCD1}">
+            <a:ext uri="{909E8E84-426E-40dd-AFC4-6F175D3DCCD1}">
               <a14:hiddenFill xmlns:a14="http://schemas.microsoft.com/office/drawing/2010/main">
                 <a:solidFill>
                   <a:schemeClr val="accent1"/>
                 </a:solidFill>
               </a14:hiddenFill>
             </a:ext>
-            <a:ext uri="{91240B29-F687-4F45-9708-019B960494DF}">
+            <a:ext uri="{91240B29-F687-4f45-9708-019B960494DF}">
               <a14:hiddenLine xmlns:a14="http://schemas.microsoft.com/office/drawing/2010/main" w="9525">
                 <a:solidFill>
                   <a:schemeClr val="tx1"/>
@@ -39506,7 +40290,7 @@
   <p:timing>
     <p:tnLst>
       <p:par>
-        <p:cTn id="1" dur="indefinite" restart="never" nodeType="tmRoot"/>
+        <p:cTn xmlns:p14="http://schemas.microsoft.com/office/powerpoint/2010/main" id="1" dur="indefinite" restart="never" nodeType="tmRoot"/>
       </p:par>
     </p:tnLst>
   </p:timing>
@@ -39572,8 +40356,8 @@
         </p:nvSpPr>
         <p:spPr>
           <a:xfrm>
-            <a:off x="0" y="1524000"/>
-            <a:ext cx="3810000" cy="4606925"/>
+            <a:off x="533400" y="1524000"/>
+            <a:ext cx="3048000" cy="4606925"/>
           </a:xfrm>
         </p:spPr>
         <p:txBody>
@@ -39624,14 +40408,14 @@
         <p:spPr bwMode="auto">
           <a:noFill/>
           <a:extLst>
-            <a:ext uri="{909E8E84-426E-40DD-AFC4-6F175D3DCCD1}">
+            <a:ext uri="{909E8E84-426E-40dd-AFC4-6F175D3DCCD1}">
               <a14:hiddenFill xmlns:a14="http://schemas.microsoft.com/office/drawing/2010/main">
                 <a:solidFill>
                   <a:srgbClr val="FFFFFF"/>
                 </a:solidFill>
               </a14:hiddenFill>
             </a:ext>
-            <a:ext uri="{91240B29-F687-4F45-9708-019B960494DF}">
+            <a:ext uri="{91240B29-F687-4f45-9708-019B960494DF}">
               <a14:hiddenLine xmlns:a14="http://schemas.microsoft.com/office/drawing/2010/main" w="9525">
                 <a:solidFill>
                   <a:srgbClr val="000000"/>
@@ -39805,14 +40589,14 @@
             <a:noFill/>
           </a:ln>
           <a:extLst>
-            <a:ext uri="{909E8E84-426E-40DD-AFC4-6F175D3DCCD1}">
+            <a:ext uri="{909E8E84-426E-40dd-AFC4-6F175D3DCCD1}">
               <a14:hiddenFill xmlns:a14="http://schemas.microsoft.com/office/drawing/2010/main">
                 <a:solidFill>
                   <a:schemeClr val="accent1"/>
                 </a:solidFill>
               </a14:hiddenFill>
             </a:ext>
-            <a:ext uri="{91240B29-F687-4F45-9708-019B960494DF}">
+            <a:ext uri="{91240B29-F687-4f45-9708-019B960494DF}">
               <a14:hiddenLine xmlns:a14="http://schemas.microsoft.com/office/drawing/2010/main" w="9525">
                 <a:solidFill>
                   <a:schemeClr val="tx1"/>
@@ -39833,7 +40617,7 @@
   <p:timing>
     <p:tnLst>
       <p:par>
-        <p:cTn id="1" dur="indefinite" restart="never" nodeType="tmRoot"/>
+        <p:cTn xmlns:p14="http://schemas.microsoft.com/office/powerpoint/2010/main" id="1" dur="indefinite" restart="never" nodeType="tmRoot"/>
       </p:par>
     </p:tnLst>
   </p:timing>
